--- a/notes/notes/mcs/9-number-theory/number.pptx
+++ b/notes/notes/mcs/9-number-theory/number.pptx
@@ -5,11 +5,18 @@
     <p:sldMasterId id="2147483660" r:id="rId1"/>
   </p:sldMasterIdLst>
   <p:notesMasterIdLst>
-    <p:notesMasterId r:id="rId4"/>
+    <p:notesMasterId r:id="rId11"/>
   </p:notesMasterIdLst>
   <p:sldIdLst>
     <p:sldId id="257" r:id="rId2"/>
     <p:sldId id="258" r:id="rId3"/>
+    <p:sldId id="259" r:id="rId4"/>
+    <p:sldId id="260" r:id="rId5"/>
+    <p:sldId id="261" r:id="rId6"/>
+    <p:sldId id="262" r:id="rId7"/>
+    <p:sldId id="263" r:id="rId8"/>
+    <p:sldId id="264" r:id="rId9"/>
+    <p:sldId id="265" r:id="rId10"/>
   </p:sldIdLst>
   <p:sldSz cx="9144000" cy="6858000" type="screen4x3"/>
   <p:notesSz cx="6858000" cy="9144000"/>
@@ -198,7 +205,7 @@
           <a:p>
             <a:fld id="{9BFDADED-620D-D24E-82E2-96F000A12D1D}" type="datetimeFigureOut">
               <a:rPr lang="en-CN" smtClean="0"/>
-              <a:t>2023/5/28</a:t>
+              <a:t>2023/5/29</a:t>
             </a:fld>
             <a:endParaRPr lang="en-CN"/>
           </a:p>
@@ -869,7 +876,7 @@
           <a:p>
             <a:fld id="{58D30FAB-176C-8449-8796-69F8D9C85B57}" type="datetime1">
               <a:rPr lang="en-US" smtClean="0"/>
-              <a:t>5/28/23</a:t>
+              <a:t>5/29/23</a:t>
             </a:fld>
             <a:endParaRPr lang="en-CN"/>
           </a:p>
@@ -2273,6 +2280,4076 @@
     <p:extLst>
       <p:ext uri="{BB962C8B-B14F-4D97-AF65-F5344CB8AC3E}">
         <p14:creationId xmlns:p14="http://schemas.microsoft.com/office/powerpoint/2010/main" val="3992897726"/>
+      </p:ext>
+    </p:extLst>
+  </p:cSld>
+  <p:clrMapOvr>
+    <a:masterClrMapping/>
+  </p:clrMapOvr>
+</p:sld>
+</file>
+
+<file path=ppt/slides/slide3.xml><?xml version="1.0" encoding="utf-8"?>
+<p:sld xmlns:a="http://schemas.openxmlformats.org/drawingml/2006/main" xmlns:r="http://schemas.openxmlformats.org/officeDocument/2006/relationships" xmlns:p="http://schemas.openxmlformats.org/presentationml/2006/main">
+  <p:cSld>
+    <p:spTree>
+      <p:nvGrpSpPr>
+        <p:cNvPr id="1" name=""/>
+        <p:cNvGrpSpPr/>
+        <p:nvPr/>
+      </p:nvGrpSpPr>
+      <p:grpSpPr>
+        <a:xfrm>
+          <a:off x="0" y="0"/>
+          <a:ext cx="0" cy="0"/>
+          <a:chOff x="0" y="0"/>
+          <a:chExt cx="0" cy="0"/>
+        </a:xfrm>
+      </p:grpSpPr>
+      <p:sp>
+        <p:nvSpPr>
+          <p:cNvPr id="2" name="Slide Number Placeholder 1">
+            <a:extLst>
+              <a:ext uri="{FF2B5EF4-FFF2-40B4-BE49-F238E27FC236}">
+                <a16:creationId xmlns:a16="http://schemas.microsoft.com/office/drawing/2014/main" id="{63ADFD68-F324-D003-8B44-08CB016BABD6}"/>
+              </a:ext>
+            </a:extLst>
+          </p:cNvPr>
+          <p:cNvSpPr>
+            <a:spLocks noGrp="1"/>
+          </p:cNvSpPr>
+          <p:nvPr>
+            <p:ph type="sldNum" sz="quarter" idx="12"/>
+          </p:nvPr>
+        </p:nvSpPr>
+        <p:spPr/>
+        <p:txBody>
+          <a:bodyPr/>
+          <a:lstStyle/>
+          <a:p>
+            <a:fld id="{7A304655-5D53-B746-8252-3F5A598C52D3}" type="slidenum">
+              <a:rPr lang="en-CN" smtClean="0"/>
+              <a:pPr/>
+              <a:t>3</a:t>
+            </a:fld>
+            <a:endParaRPr lang="en-CN"/>
+          </a:p>
+        </p:txBody>
+      </p:sp>
+      <p:sp>
+        <p:nvSpPr>
+          <p:cNvPr id="3" name="Title 2">
+            <a:extLst>
+              <a:ext uri="{FF2B5EF4-FFF2-40B4-BE49-F238E27FC236}">
+                <a16:creationId xmlns:a16="http://schemas.microsoft.com/office/drawing/2014/main" id="{DA2CE602-A2AA-AEE4-5A57-589636875374}"/>
+              </a:ext>
+            </a:extLst>
+          </p:cNvPr>
+          <p:cNvSpPr>
+            <a:spLocks noGrp="1"/>
+          </p:cNvSpPr>
+          <p:nvPr>
+            <p:ph type="title"/>
+          </p:nvPr>
+        </p:nvSpPr>
+        <p:spPr/>
+        <p:txBody>
+          <a:bodyPr/>
+          <a:lstStyle/>
+          <a:p>
+            <a:r>
+              <a:rPr kumimoji="1" lang="zh-CN" altLang="en-US" dirty="0"/>
+              <a:t>一</a:t>
+            </a:r>
+            <a:r>
+              <a:rPr kumimoji="1" lang="en-US" altLang="zh-CN" dirty="0"/>
+              <a:t>.</a:t>
+            </a:r>
+            <a:r>
+              <a:rPr kumimoji="1" lang="zh-CN" altLang="en-US" dirty="0"/>
+              <a:t> 整除</a:t>
+            </a:r>
+          </a:p>
+        </p:txBody>
+      </p:sp>
+      <p:sp>
+        <p:nvSpPr>
+          <p:cNvPr id="4" name="TextBox 3">
+            <a:extLst>
+              <a:ext uri="{FF2B5EF4-FFF2-40B4-BE49-F238E27FC236}">
+                <a16:creationId xmlns:a16="http://schemas.microsoft.com/office/drawing/2014/main" id="{C740482F-F4AE-EA22-F12F-B9E837503AED}"/>
+              </a:ext>
+            </a:extLst>
+          </p:cNvPr>
+          <p:cNvSpPr txBox="1"/>
+          <p:nvPr/>
+        </p:nvSpPr>
+        <p:spPr>
+          <a:xfrm>
+            <a:off x="742278" y="1452282"/>
+            <a:ext cx="1364476" cy="369332"/>
+          </a:xfrm>
+          <a:prstGeom prst="rect">
+            <a:avLst/>
+          </a:prstGeom>
+          <a:noFill/>
+        </p:spPr>
+        <p:txBody>
+          <a:bodyPr wrap="none" rtlCol="0">
+            <a:spAutoFit/>
+          </a:bodyPr>
+          <a:lstStyle/>
+          <a:p>
+            <a:r>
+              <a:rPr kumimoji="1" lang="en-US" altLang="zh-CN" dirty="0"/>
+              <a:t>1.</a:t>
+            </a:r>
+            <a:r>
+              <a:rPr kumimoji="1" lang="zh-CN" altLang="en-US" dirty="0"/>
+              <a:t> 整除关系</a:t>
+            </a:r>
+          </a:p>
+        </p:txBody>
+      </p:sp>
+      <p:pic>
+        <p:nvPicPr>
+          <p:cNvPr id="5" name="Picture 4">
+            <a:extLst>
+              <a:ext uri="{FF2B5EF4-FFF2-40B4-BE49-F238E27FC236}">
+                <a16:creationId xmlns:a16="http://schemas.microsoft.com/office/drawing/2014/main" id="{88D58024-4C50-7682-E56C-AA53BB678D2D}"/>
+              </a:ext>
+            </a:extLst>
+          </p:cNvPr>
+          <p:cNvPicPr>
+            <a:picLocks noChangeAspect="1"/>
+          </p:cNvPicPr>
+          <p:nvPr/>
+        </p:nvPicPr>
+        <p:blipFill>
+          <a:blip r:embed="rId2"/>
+          <a:stretch>
+            <a:fillRect/>
+          </a:stretch>
+        </p:blipFill>
+        <p:spPr>
+          <a:xfrm>
+            <a:off x="995754" y="1909571"/>
+            <a:ext cx="6330203" cy="932963"/>
+          </a:xfrm>
+          <a:prstGeom prst="rect">
+            <a:avLst/>
+          </a:prstGeom>
+        </p:spPr>
+      </p:pic>
+      <p:sp>
+        <p:nvSpPr>
+          <p:cNvPr id="6" name="TextBox 5">
+            <a:extLst>
+              <a:ext uri="{FF2B5EF4-FFF2-40B4-BE49-F238E27FC236}">
+                <a16:creationId xmlns:a16="http://schemas.microsoft.com/office/drawing/2014/main" id="{3793D923-C2BF-5C63-46FD-49BE86C4B907}"/>
+              </a:ext>
+            </a:extLst>
+          </p:cNvPr>
+          <p:cNvSpPr txBox="1"/>
+          <p:nvPr/>
+        </p:nvSpPr>
+        <p:spPr>
+          <a:xfrm>
+            <a:off x="995754" y="2881200"/>
+            <a:ext cx="1787669" cy="369332"/>
+          </a:xfrm>
+          <a:prstGeom prst="rect">
+            <a:avLst/>
+          </a:prstGeom>
+          <a:noFill/>
+        </p:spPr>
+        <p:txBody>
+          <a:bodyPr wrap="none" rtlCol="0">
+            <a:spAutoFit/>
+          </a:bodyPr>
+          <a:lstStyle/>
+          <a:p>
+            <a:r>
+              <a:rPr kumimoji="1" lang="en-US" altLang="zh-CN" dirty="0"/>
+              <a:t>(</a:t>
+            </a:r>
+            <a:r>
+              <a:rPr kumimoji="1" lang="zh-CN" altLang="en-US" dirty="0"/>
+              <a:t>一些等价定义</a:t>
+            </a:r>
+            <a:r>
+              <a:rPr kumimoji="1" lang="en-US" altLang="zh-CN" dirty="0"/>
+              <a:t>)</a:t>
+            </a:r>
+            <a:r>
+              <a:rPr kumimoji="1" lang="zh-CN" altLang="en-US" dirty="0"/>
+              <a:t> </a:t>
+            </a:r>
+          </a:p>
+        </p:txBody>
+      </p:sp>
+      <p:pic>
+        <p:nvPicPr>
+          <p:cNvPr id="7" name="Picture 6">
+            <a:extLst>
+              <a:ext uri="{FF2B5EF4-FFF2-40B4-BE49-F238E27FC236}">
+                <a16:creationId xmlns:a16="http://schemas.microsoft.com/office/drawing/2014/main" id="{DA937719-EB9B-10D2-812F-E7DD7D4CDF24}"/>
+              </a:ext>
+            </a:extLst>
+          </p:cNvPr>
+          <p:cNvPicPr>
+            <a:picLocks noChangeAspect="1"/>
+          </p:cNvPicPr>
+          <p:nvPr/>
+        </p:nvPicPr>
+        <p:blipFill>
+          <a:blip r:embed="rId3"/>
+          <a:stretch>
+            <a:fillRect/>
+          </a:stretch>
+        </p:blipFill>
+        <p:spPr>
+          <a:xfrm>
+            <a:off x="995754" y="3300185"/>
+            <a:ext cx="2716381" cy="2667349"/>
+          </a:xfrm>
+          <a:prstGeom prst="rect">
+            <a:avLst/>
+          </a:prstGeom>
+        </p:spPr>
+      </p:pic>
+    </p:spTree>
+    <p:extLst>
+      <p:ext uri="{BB962C8B-B14F-4D97-AF65-F5344CB8AC3E}">
+        <p14:creationId xmlns:p14="http://schemas.microsoft.com/office/powerpoint/2010/main" val="1960554882"/>
+      </p:ext>
+    </p:extLst>
+  </p:cSld>
+  <p:clrMapOvr>
+    <a:masterClrMapping/>
+  </p:clrMapOvr>
+</p:sld>
+</file>
+
+<file path=ppt/slides/slide4.xml><?xml version="1.0" encoding="utf-8"?>
+<p:sld xmlns:a="http://schemas.openxmlformats.org/drawingml/2006/main" xmlns:r="http://schemas.openxmlformats.org/officeDocument/2006/relationships" xmlns:p="http://schemas.openxmlformats.org/presentationml/2006/main">
+  <p:cSld>
+    <p:spTree>
+      <p:nvGrpSpPr>
+        <p:cNvPr id="1" name=""/>
+        <p:cNvGrpSpPr/>
+        <p:nvPr/>
+      </p:nvGrpSpPr>
+      <p:grpSpPr>
+        <a:xfrm>
+          <a:off x="0" y="0"/>
+          <a:ext cx="0" cy="0"/>
+          <a:chOff x="0" y="0"/>
+          <a:chExt cx="0" cy="0"/>
+        </a:xfrm>
+      </p:grpSpPr>
+      <p:sp>
+        <p:nvSpPr>
+          <p:cNvPr id="2" name="Slide Number Placeholder 1">
+            <a:extLst>
+              <a:ext uri="{FF2B5EF4-FFF2-40B4-BE49-F238E27FC236}">
+                <a16:creationId xmlns:a16="http://schemas.microsoft.com/office/drawing/2014/main" id="{63ADFD68-F324-D003-8B44-08CB016BABD6}"/>
+              </a:ext>
+            </a:extLst>
+          </p:cNvPr>
+          <p:cNvSpPr>
+            <a:spLocks noGrp="1"/>
+          </p:cNvSpPr>
+          <p:nvPr>
+            <p:ph type="sldNum" sz="quarter" idx="12"/>
+          </p:nvPr>
+        </p:nvSpPr>
+        <p:spPr/>
+        <p:txBody>
+          <a:bodyPr/>
+          <a:lstStyle/>
+          <a:p>
+            <a:fld id="{7A304655-5D53-B746-8252-3F5A598C52D3}" type="slidenum">
+              <a:rPr lang="en-CN" smtClean="0"/>
+              <a:pPr/>
+              <a:t>4</a:t>
+            </a:fld>
+            <a:endParaRPr lang="en-CN"/>
+          </a:p>
+        </p:txBody>
+      </p:sp>
+      <p:sp>
+        <p:nvSpPr>
+          <p:cNvPr id="3" name="Title 2">
+            <a:extLst>
+              <a:ext uri="{FF2B5EF4-FFF2-40B4-BE49-F238E27FC236}">
+                <a16:creationId xmlns:a16="http://schemas.microsoft.com/office/drawing/2014/main" id="{DA2CE602-A2AA-AEE4-5A57-589636875374}"/>
+              </a:ext>
+            </a:extLst>
+          </p:cNvPr>
+          <p:cNvSpPr>
+            <a:spLocks noGrp="1"/>
+          </p:cNvSpPr>
+          <p:nvPr>
+            <p:ph type="title"/>
+          </p:nvPr>
+        </p:nvSpPr>
+        <p:spPr/>
+        <p:txBody>
+          <a:bodyPr/>
+          <a:lstStyle/>
+          <a:p>
+            <a:r>
+              <a:rPr kumimoji="1" lang="zh-CN" altLang="en-US" dirty="0"/>
+              <a:t>一</a:t>
+            </a:r>
+            <a:r>
+              <a:rPr kumimoji="1" lang="en-US" altLang="zh-CN" dirty="0"/>
+              <a:t>.</a:t>
+            </a:r>
+            <a:r>
+              <a:rPr kumimoji="1" lang="zh-CN" altLang="en-US" dirty="0"/>
+              <a:t> 整除</a:t>
+            </a:r>
+          </a:p>
+        </p:txBody>
+      </p:sp>
+      <p:sp>
+        <p:nvSpPr>
+          <p:cNvPr id="4" name="TextBox 3">
+            <a:extLst>
+              <a:ext uri="{FF2B5EF4-FFF2-40B4-BE49-F238E27FC236}">
+                <a16:creationId xmlns:a16="http://schemas.microsoft.com/office/drawing/2014/main" id="{C740482F-F4AE-EA22-F12F-B9E837503AED}"/>
+              </a:ext>
+            </a:extLst>
+          </p:cNvPr>
+          <p:cNvSpPr txBox="1"/>
+          <p:nvPr/>
+        </p:nvSpPr>
+        <p:spPr>
+          <a:xfrm>
+            <a:off x="742278" y="1452282"/>
+            <a:ext cx="1364476" cy="369332"/>
+          </a:xfrm>
+          <a:prstGeom prst="rect">
+            <a:avLst/>
+          </a:prstGeom>
+          <a:noFill/>
+        </p:spPr>
+        <p:txBody>
+          <a:bodyPr wrap="none" rtlCol="0">
+            <a:spAutoFit/>
+          </a:bodyPr>
+          <a:lstStyle/>
+          <a:p>
+            <a:r>
+              <a:rPr kumimoji="1" lang="en-US" altLang="zh-CN" dirty="0"/>
+              <a:t>1.</a:t>
+            </a:r>
+            <a:r>
+              <a:rPr kumimoji="1" lang="zh-CN" altLang="en-US" dirty="0"/>
+              <a:t> 整除关系</a:t>
+            </a:r>
+          </a:p>
+        </p:txBody>
+      </p:sp>
+      <p:pic>
+        <p:nvPicPr>
+          <p:cNvPr id="5" name="Picture 4">
+            <a:extLst>
+              <a:ext uri="{FF2B5EF4-FFF2-40B4-BE49-F238E27FC236}">
+                <a16:creationId xmlns:a16="http://schemas.microsoft.com/office/drawing/2014/main" id="{88D58024-4C50-7682-E56C-AA53BB678D2D}"/>
+              </a:ext>
+            </a:extLst>
+          </p:cNvPr>
+          <p:cNvPicPr>
+            <a:picLocks noChangeAspect="1"/>
+          </p:cNvPicPr>
+          <p:nvPr/>
+        </p:nvPicPr>
+        <p:blipFill>
+          <a:blip r:embed="rId2"/>
+          <a:stretch>
+            <a:fillRect/>
+          </a:stretch>
+        </p:blipFill>
+        <p:spPr>
+          <a:xfrm>
+            <a:off x="995754" y="1909571"/>
+            <a:ext cx="6330203" cy="932963"/>
+          </a:xfrm>
+          <a:prstGeom prst="rect">
+            <a:avLst/>
+          </a:prstGeom>
+        </p:spPr>
+      </p:pic>
+      <p:sp>
+        <p:nvSpPr>
+          <p:cNvPr id="6" name="TextBox 5">
+            <a:extLst>
+              <a:ext uri="{FF2B5EF4-FFF2-40B4-BE49-F238E27FC236}">
+                <a16:creationId xmlns:a16="http://schemas.microsoft.com/office/drawing/2014/main" id="{3793D923-C2BF-5C63-46FD-49BE86C4B907}"/>
+              </a:ext>
+            </a:extLst>
+          </p:cNvPr>
+          <p:cNvSpPr txBox="1"/>
+          <p:nvPr/>
+        </p:nvSpPr>
+        <p:spPr>
+          <a:xfrm>
+            <a:off x="742278" y="2842534"/>
+            <a:ext cx="2056973" cy="369332"/>
+          </a:xfrm>
+          <a:prstGeom prst="rect">
+            <a:avLst/>
+          </a:prstGeom>
+          <a:noFill/>
+        </p:spPr>
+        <p:txBody>
+          <a:bodyPr wrap="none" rtlCol="0">
+            <a:spAutoFit/>
+          </a:bodyPr>
+          <a:lstStyle/>
+          <a:p>
+            <a:r>
+              <a:rPr kumimoji="1" lang="en-US" altLang="zh-CN" dirty="0"/>
+              <a:t>2.</a:t>
+            </a:r>
+            <a:r>
+              <a:rPr kumimoji="1" lang="zh-CN" altLang="en-US" dirty="0"/>
+              <a:t> 整除的一些性质</a:t>
+            </a:r>
+          </a:p>
+        </p:txBody>
+      </p:sp>
+      <p:pic>
+        <p:nvPicPr>
+          <p:cNvPr id="8" name="Picture 7">
+            <a:extLst>
+              <a:ext uri="{FF2B5EF4-FFF2-40B4-BE49-F238E27FC236}">
+                <a16:creationId xmlns:a16="http://schemas.microsoft.com/office/drawing/2014/main" id="{AD5D4E0F-9D94-9ABE-934E-8372C2BFC1B9}"/>
+              </a:ext>
+            </a:extLst>
+          </p:cNvPr>
+          <p:cNvPicPr>
+            <a:picLocks noChangeAspect="1"/>
+          </p:cNvPicPr>
+          <p:nvPr/>
+        </p:nvPicPr>
+        <p:blipFill>
+          <a:blip r:embed="rId3"/>
+          <a:stretch>
+            <a:fillRect/>
+          </a:stretch>
+        </p:blipFill>
+        <p:spPr>
+          <a:xfrm>
+            <a:off x="995754" y="3361443"/>
+            <a:ext cx="6077697" cy="700275"/>
+          </a:xfrm>
+          <a:prstGeom prst="rect">
+            <a:avLst/>
+          </a:prstGeom>
+        </p:spPr>
+      </p:pic>
+      <p:pic>
+        <p:nvPicPr>
+          <p:cNvPr id="9" name="Picture 8">
+            <a:extLst>
+              <a:ext uri="{FF2B5EF4-FFF2-40B4-BE49-F238E27FC236}">
+                <a16:creationId xmlns:a16="http://schemas.microsoft.com/office/drawing/2014/main" id="{9DBB8709-DB87-0603-ECAE-19049A0AA740}"/>
+              </a:ext>
+            </a:extLst>
+          </p:cNvPr>
+          <p:cNvPicPr>
+            <a:picLocks noChangeAspect="1"/>
+          </p:cNvPicPr>
+          <p:nvPr/>
+        </p:nvPicPr>
+        <p:blipFill>
+          <a:blip r:embed="rId4"/>
+          <a:stretch>
+            <a:fillRect/>
+          </a:stretch>
+        </p:blipFill>
+        <p:spPr>
+          <a:xfrm>
+            <a:off x="995754" y="3940682"/>
+            <a:ext cx="6493914" cy="932963"/>
+          </a:xfrm>
+          <a:prstGeom prst="rect">
+            <a:avLst/>
+          </a:prstGeom>
+        </p:spPr>
+      </p:pic>
+      <mc:AlternateContent xmlns:mc="http://schemas.openxmlformats.org/markup-compatibility/2006" xmlns:a14="http://schemas.microsoft.com/office/drawing/2010/main">
+        <mc:Choice Requires="a14">
+          <p:sp>
+            <p:nvSpPr>
+              <p:cNvPr id="10" name="TextBox 9">
+                <a:extLst>
+                  <a:ext uri="{FF2B5EF4-FFF2-40B4-BE49-F238E27FC236}">
+                    <a16:creationId xmlns:a16="http://schemas.microsoft.com/office/drawing/2014/main" id="{D092F607-4D18-1C6E-BB95-379640AE65FB}"/>
+                  </a:ext>
+                </a:extLst>
+              </p:cNvPr>
+              <p:cNvSpPr txBox="1"/>
+              <p:nvPr/>
+            </p:nvSpPr>
+            <p:spPr>
+              <a:xfrm>
+                <a:off x="995754" y="4986601"/>
+                <a:ext cx="3850862" cy="369332"/>
+              </a:xfrm>
+              <a:prstGeom prst="rect">
+                <a:avLst/>
+              </a:prstGeom>
+              <a:noFill/>
+            </p:spPr>
+            <p:txBody>
+              <a:bodyPr wrap="none" rtlCol="0">
+                <a:spAutoFit/>
+              </a:bodyPr>
+              <a:lstStyle/>
+              <a:p>
+                <a:r>
+                  <a:rPr kumimoji="1" lang="zh-CN" altLang="en-US" dirty="0"/>
+                  <a:t>证明方法</a:t>
+                </a:r>
+                <a:r>
+                  <a:rPr kumimoji="1" lang="en-US" altLang="zh-CN" dirty="0"/>
+                  <a:t>:</a:t>
+                </a:r>
+                <a:r>
+                  <a:rPr kumimoji="1" lang="zh-CN" altLang="en-US" dirty="0"/>
+                  <a:t> 拆分为</a:t>
+                </a:r>
+                <a14:m>
+                  <m:oMath xmlns:m="http://schemas.openxmlformats.org/officeDocument/2006/math">
+                    <m:r>
+                      <a:rPr kumimoji="1" lang="en-US" altLang="zh-CN" b="0" i="1" smtClean="0">
+                        <a:latin typeface="Cambria Math" panose="02040503050406030204" pitchFamily="18" charset="0"/>
+                      </a:rPr>
+                      <m:t>𝑎</m:t>
+                    </m:r>
+                    <m:r>
+                      <a:rPr kumimoji="1" lang="en-US" altLang="zh-CN" b="0" i="1" smtClean="0">
+                        <a:latin typeface="Cambria Math" panose="02040503050406030204" pitchFamily="18" charset="0"/>
+                      </a:rPr>
+                      <m:t>=</m:t>
+                    </m:r>
+                    <m:r>
+                      <a:rPr kumimoji="1" lang="en-US" altLang="zh-CN" b="0" i="1" smtClean="0">
+                        <a:latin typeface="Cambria Math" panose="02040503050406030204" pitchFamily="18" charset="0"/>
+                      </a:rPr>
+                      <m:t>𝑘𝑞</m:t>
+                    </m:r>
+                    <m:r>
+                      <a:rPr kumimoji="1" lang="en-US" altLang="zh-CN" b="0" i="1" smtClean="0">
+                        <a:latin typeface="Cambria Math" panose="02040503050406030204" pitchFamily="18" charset="0"/>
+                      </a:rPr>
+                      <m:t>+</m:t>
+                    </m:r>
+                    <m:r>
+                      <a:rPr kumimoji="1" lang="en-US" altLang="zh-CN" b="0" i="1" smtClean="0">
+                        <a:latin typeface="Cambria Math" panose="02040503050406030204" pitchFamily="18" charset="0"/>
+                      </a:rPr>
+                      <m:t>𝑟</m:t>
+                    </m:r>
+                    <m:d>
+                      <m:dPr>
+                        <m:ctrlPr>
+                          <a:rPr kumimoji="1" lang="en-US" altLang="zh-CN" b="0" i="1" smtClean="0">
+                            <a:latin typeface="Cambria Math" panose="02040503050406030204" pitchFamily="18" charset="0"/>
+                          </a:rPr>
+                        </m:ctrlPr>
+                      </m:dPr>
+                      <m:e>
+                        <m:r>
+                          <a:rPr kumimoji="1" lang="en-US" altLang="zh-CN" b="0" i="1" smtClean="0">
+                            <a:latin typeface="Cambria Math" panose="02040503050406030204" pitchFamily="18" charset="0"/>
+                          </a:rPr>
+                          <m:t>𝑟</m:t>
+                        </m:r>
+                        <m:r>
+                          <a:rPr kumimoji="1" lang="en-US" altLang="zh-CN" b="0" i="1" smtClean="0">
+                            <a:latin typeface="Cambria Math" panose="02040503050406030204" pitchFamily="18" charset="0"/>
+                          </a:rPr>
+                          <m:t>&lt;</m:t>
+                        </m:r>
+                        <m:r>
+                          <a:rPr kumimoji="1" lang="en-US" altLang="zh-CN" b="0" i="1" smtClean="0">
+                            <a:latin typeface="Cambria Math" panose="02040503050406030204" pitchFamily="18" charset="0"/>
+                          </a:rPr>
+                          <m:t>𝑞</m:t>
+                        </m:r>
+                      </m:e>
+                    </m:d>
+                    <m:r>
+                      <a:rPr kumimoji="1" lang="en-US" altLang="zh-CN" b="0" i="1" smtClean="0">
+                        <a:latin typeface="Cambria Math" panose="02040503050406030204" pitchFamily="18" charset="0"/>
+                      </a:rPr>
+                      <m:t>.</m:t>
+                    </m:r>
+                    <m:r>
+                      <a:rPr kumimoji="1" lang="zh-CN" altLang="en-US" b="0" i="1" smtClean="0">
+                        <a:latin typeface="Cambria Math" panose="02040503050406030204" pitchFamily="18" charset="0"/>
+                      </a:rPr>
+                      <m:t> </m:t>
+                    </m:r>
+                  </m:oMath>
+                </a14:m>
+                <a:endParaRPr kumimoji="1" lang="zh-CN" altLang="en-US" dirty="0"/>
+              </a:p>
+            </p:txBody>
+          </p:sp>
+        </mc:Choice>
+        <mc:Fallback xmlns="">
+          <p:sp>
+            <p:nvSpPr>
+              <p:cNvPr id="10" name="TextBox 9">
+                <a:extLst>
+                  <a:ext uri="{FF2B5EF4-FFF2-40B4-BE49-F238E27FC236}">
+                    <a16:creationId xmlns:a16="http://schemas.microsoft.com/office/drawing/2014/main" id="{D092F607-4D18-1C6E-BB95-379640AE65FB}"/>
+                  </a:ext>
+                </a:extLst>
+              </p:cNvPr>
+              <p:cNvSpPr txBox="1">
+                <a:spLocks noRot="1" noChangeAspect="1" noMove="1" noResize="1" noEditPoints="1" noAdjustHandles="1" noChangeArrowheads="1" noChangeShapeType="1" noTextEdit="1"/>
+              </p:cNvSpPr>
+              <p:nvPr/>
+            </p:nvSpPr>
+            <p:spPr>
+              <a:xfrm>
+                <a:off x="995754" y="4986601"/>
+                <a:ext cx="3850862" cy="369332"/>
+              </a:xfrm>
+              <a:prstGeom prst="rect">
+                <a:avLst/>
+              </a:prstGeom>
+              <a:blipFill>
+                <a:blip r:embed="rId5"/>
+                <a:stretch>
+                  <a:fillRect l="-1316" t="-10000" b="-26667"/>
+                </a:stretch>
+              </a:blipFill>
+            </p:spPr>
+            <p:txBody>
+              <a:bodyPr/>
+              <a:lstStyle/>
+              <a:p>
+                <a:r>
+                  <a:rPr lang="zh-CN" altLang="en-US">
+                    <a:noFill/>
+                  </a:rPr>
+                  <a:t> </a:t>
+                </a:r>
+              </a:p>
+            </p:txBody>
+          </p:sp>
+        </mc:Fallback>
+      </mc:AlternateContent>
+      <p:sp>
+        <p:nvSpPr>
+          <p:cNvPr id="11" name="Cloud Callout 10">
+            <a:extLst>
+              <a:ext uri="{FF2B5EF4-FFF2-40B4-BE49-F238E27FC236}">
+                <a16:creationId xmlns:a16="http://schemas.microsoft.com/office/drawing/2014/main" id="{4089014F-E9B3-2252-2CAD-5CFA1D0D7C9A}"/>
+              </a:ext>
+            </a:extLst>
+          </p:cNvPr>
+          <p:cNvSpPr/>
+          <p:nvPr/>
+        </p:nvSpPr>
+        <p:spPr>
+          <a:xfrm>
+            <a:off x="4242711" y="3493742"/>
+            <a:ext cx="1355464" cy="624454"/>
+          </a:xfrm>
+          <a:prstGeom prst="cloudCallout">
+            <a:avLst>
+              <a:gd name="adj1" fmla="val -69047"/>
+              <a:gd name="adj2" fmla="val 44021"/>
+            </a:avLst>
+          </a:prstGeom>
+          <a:noFill/>
+          <a:ln>
+            <a:solidFill>
+              <a:schemeClr val="tx1">
+                <a:alpha val="47000"/>
+              </a:schemeClr>
+            </a:solidFill>
+          </a:ln>
+        </p:spPr>
+        <p:style>
+          <a:lnRef idx="2">
+            <a:schemeClr val="accent1">
+              <a:shade val="50000"/>
+            </a:schemeClr>
+          </a:lnRef>
+          <a:fillRef idx="1">
+            <a:schemeClr val="accent1"/>
+          </a:fillRef>
+          <a:effectRef idx="0">
+            <a:schemeClr val="accent1"/>
+          </a:effectRef>
+          <a:fontRef idx="minor">
+            <a:schemeClr val="lt1"/>
+          </a:fontRef>
+        </p:style>
+        <p:txBody>
+          <a:bodyPr rtlCol="0" anchor="t"/>
+          <a:lstStyle/>
+          <a:p>
+            <a:r>
+              <a:rPr kumimoji="1" lang="zh-CN" altLang="en-US" sz="1050" dirty="0">
+                <a:solidFill>
+                  <a:schemeClr val="bg1">
+                    <a:lumMod val="65000"/>
+                  </a:schemeClr>
+                </a:solidFill>
+                <a:latin typeface="Times New Roman" panose="02020603050405020304" pitchFamily="18" charset="0"/>
+                <a:cs typeface="Times New Roman" panose="02020603050405020304" pitchFamily="18" charset="0"/>
+              </a:rPr>
+              <a:t>很像线性组合</a:t>
+            </a:r>
+          </a:p>
+        </p:txBody>
+      </p:sp>
+      <p:grpSp>
+        <p:nvGrpSpPr>
+          <p:cNvPr id="13" name="Group 12">
+            <a:extLst>
+              <a:ext uri="{FF2B5EF4-FFF2-40B4-BE49-F238E27FC236}">
+                <a16:creationId xmlns:a16="http://schemas.microsoft.com/office/drawing/2014/main" id="{3CAD2754-8FBC-E08D-4824-C12217656F59}"/>
+              </a:ext>
+            </a:extLst>
+          </p:cNvPr>
+          <p:cNvGrpSpPr/>
+          <p:nvPr/>
+        </p:nvGrpSpPr>
+        <p:grpSpPr>
+          <a:xfrm>
+            <a:off x="6282407" y="197576"/>
+            <a:ext cx="2861593" cy="1342663"/>
+            <a:chOff x="628652" y="2280213"/>
+            <a:chExt cx="6593951" cy="1342663"/>
+          </a:xfrm>
+        </p:grpSpPr>
+        <p:sp>
+          <p:nvSpPr>
+            <p:cNvPr id="14" name="Rounded Rectangle 13">
+              <a:extLst>
+                <a:ext uri="{FF2B5EF4-FFF2-40B4-BE49-F238E27FC236}">
+                  <a16:creationId xmlns:a16="http://schemas.microsoft.com/office/drawing/2014/main" id="{B17EEDE0-71DE-7CF4-ACA3-5776B1B16042}"/>
+                </a:ext>
+              </a:extLst>
+            </p:cNvPr>
+            <p:cNvSpPr/>
+            <p:nvPr/>
+          </p:nvSpPr>
+          <p:spPr>
+            <a:xfrm>
+              <a:off x="628652" y="2592729"/>
+              <a:ext cx="5543020" cy="1030147"/>
+            </a:xfrm>
+            <a:prstGeom prst="roundRect">
+              <a:avLst/>
+            </a:prstGeom>
+            <a:solidFill>
+              <a:schemeClr val="accent1">
+                <a:alpha val="22261"/>
+              </a:schemeClr>
+            </a:solidFill>
+            <a:ln>
+              <a:solidFill>
+                <a:schemeClr val="accent1">
+                  <a:shade val="50000"/>
+                </a:schemeClr>
+              </a:solidFill>
+            </a:ln>
+            <a:effectLst>
+              <a:outerShdw blurRad="50800" dist="38100" algn="l" rotWithShape="0">
+                <a:prstClr val="black">
+                  <a:alpha val="40000"/>
+                </a:prstClr>
+              </a:outerShdw>
+            </a:effectLst>
+          </p:spPr>
+          <p:style>
+            <a:lnRef idx="2">
+              <a:schemeClr val="accent1">
+                <a:shade val="50000"/>
+              </a:schemeClr>
+            </a:lnRef>
+            <a:fillRef idx="1">
+              <a:schemeClr val="accent1"/>
+            </a:fillRef>
+            <a:effectRef idx="0">
+              <a:schemeClr val="accent1"/>
+            </a:effectRef>
+            <a:fontRef idx="minor">
+              <a:schemeClr val="lt1"/>
+            </a:fontRef>
+          </p:style>
+          <p:txBody>
+            <a:bodyPr rtlCol="0" anchor="ctr"/>
+            <a:lstStyle/>
+            <a:p>
+              <a:pPr algn="ctr"/>
+              <a:endParaRPr kumimoji="1" lang="zh-CN" altLang="en-US"/>
+            </a:p>
+          </p:txBody>
+        </p:sp>
+        <p:sp>
+          <p:nvSpPr>
+            <p:cNvPr id="15" name="Rectangle 14">
+              <a:extLst>
+                <a:ext uri="{FF2B5EF4-FFF2-40B4-BE49-F238E27FC236}">
+                  <a16:creationId xmlns:a16="http://schemas.microsoft.com/office/drawing/2014/main" id="{83FB20B9-7208-0C0B-96F7-BA6FA29A787A}"/>
+                </a:ext>
+              </a:extLst>
+            </p:cNvPr>
+            <p:cNvSpPr/>
+            <p:nvPr/>
+          </p:nvSpPr>
+          <p:spPr>
+            <a:xfrm>
+              <a:off x="868101" y="2280213"/>
+              <a:ext cx="2407528" cy="312516"/>
+            </a:xfrm>
+            <a:prstGeom prst="rect">
+              <a:avLst/>
+            </a:prstGeom>
+          </p:spPr>
+          <p:style>
+            <a:lnRef idx="2">
+              <a:schemeClr val="accent1">
+                <a:shade val="50000"/>
+              </a:schemeClr>
+            </a:lnRef>
+            <a:fillRef idx="1">
+              <a:schemeClr val="accent1"/>
+            </a:fillRef>
+            <a:effectRef idx="0">
+              <a:schemeClr val="accent1"/>
+            </a:effectRef>
+            <a:fontRef idx="minor">
+              <a:schemeClr val="lt1"/>
+            </a:fontRef>
+          </p:style>
+          <p:txBody>
+            <a:bodyPr rtlCol="0" anchor="ctr"/>
+            <a:lstStyle/>
+            <a:p>
+              <a:pPr algn="ctr"/>
+              <a:r>
+                <a:rPr kumimoji="1" lang="en-US" altLang="zh-CN" dirty="0"/>
+                <a:t>Word</a:t>
+              </a:r>
+              <a:endParaRPr kumimoji="1" lang="zh-CN" altLang="en-US" dirty="0"/>
+            </a:p>
+          </p:txBody>
+        </p:sp>
+        <p:sp>
+          <p:nvSpPr>
+            <p:cNvPr id="16" name="TextBox 15">
+              <a:extLst>
+                <a:ext uri="{FF2B5EF4-FFF2-40B4-BE49-F238E27FC236}">
+                  <a16:creationId xmlns:a16="http://schemas.microsoft.com/office/drawing/2014/main" id="{52F2CDEB-49A2-7157-99C8-B59D118409D5}"/>
+                </a:ext>
+              </a:extLst>
+            </p:cNvPr>
+            <p:cNvSpPr txBox="1"/>
+            <p:nvPr/>
+          </p:nvSpPr>
+          <p:spPr>
+            <a:xfrm>
+              <a:off x="844952" y="2761005"/>
+              <a:ext cx="6377651" cy="646331"/>
+            </a:xfrm>
+            <a:prstGeom prst="rect">
+              <a:avLst/>
+            </a:prstGeom>
+            <a:noFill/>
+          </p:spPr>
+          <p:txBody>
+            <a:bodyPr wrap="square">
+              <a:spAutoFit/>
+            </a:bodyPr>
+            <a:lstStyle/>
+            <a:p>
+              <a:r>
+                <a:rPr kumimoji="1" lang="en-US" altLang="zh-CN" dirty="0"/>
+                <a:t>divide</a:t>
+              </a:r>
+              <a:r>
+                <a:rPr kumimoji="1" lang="zh-CN" altLang="en-US" dirty="0"/>
+                <a:t> 除法</a:t>
+              </a:r>
+              <a:endParaRPr kumimoji="1" lang="en-US" altLang="zh-CN" dirty="0"/>
+            </a:p>
+            <a:p>
+              <a:r>
+                <a:rPr kumimoji="1" lang="en-US" altLang="zh-CN" dirty="0"/>
+                <a:t>notation</a:t>
+              </a:r>
+              <a:r>
+                <a:rPr kumimoji="1" lang="zh-CN" altLang="en-US" dirty="0"/>
+                <a:t> 记号</a:t>
+              </a:r>
+            </a:p>
+          </p:txBody>
+        </p:sp>
+      </p:grpSp>
+    </p:spTree>
+    <p:extLst>
+      <p:ext uri="{BB962C8B-B14F-4D97-AF65-F5344CB8AC3E}">
+        <p14:creationId xmlns:p14="http://schemas.microsoft.com/office/powerpoint/2010/main" val="3688769566"/>
+      </p:ext>
+    </p:extLst>
+  </p:cSld>
+  <p:clrMapOvr>
+    <a:masterClrMapping/>
+  </p:clrMapOvr>
+</p:sld>
+</file>
+
+<file path=ppt/slides/slide5.xml><?xml version="1.0" encoding="utf-8"?>
+<p:sld xmlns:a="http://schemas.openxmlformats.org/drawingml/2006/main" xmlns:r="http://schemas.openxmlformats.org/officeDocument/2006/relationships" xmlns:p="http://schemas.openxmlformats.org/presentationml/2006/main">
+  <p:cSld>
+    <p:spTree>
+      <p:nvGrpSpPr>
+        <p:cNvPr id="1" name=""/>
+        <p:cNvGrpSpPr/>
+        <p:nvPr/>
+      </p:nvGrpSpPr>
+      <p:grpSpPr>
+        <a:xfrm>
+          <a:off x="0" y="0"/>
+          <a:ext cx="0" cy="0"/>
+          <a:chOff x="0" y="0"/>
+          <a:chExt cx="0" cy="0"/>
+        </a:xfrm>
+      </p:grpSpPr>
+      <p:sp>
+        <p:nvSpPr>
+          <p:cNvPr id="2" name="Slide Number Placeholder 1">
+            <a:extLst>
+              <a:ext uri="{FF2B5EF4-FFF2-40B4-BE49-F238E27FC236}">
+                <a16:creationId xmlns:a16="http://schemas.microsoft.com/office/drawing/2014/main" id="{63ADFD68-F324-D003-8B44-08CB016BABD6}"/>
+              </a:ext>
+            </a:extLst>
+          </p:cNvPr>
+          <p:cNvSpPr>
+            <a:spLocks noGrp="1"/>
+          </p:cNvSpPr>
+          <p:nvPr>
+            <p:ph type="sldNum" sz="quarter" idx="12"/>
+          </p:nvPr>
+        </p:nvSpPr>
+        <p:spPr/>
+        <p:txBody>
+          <a:bodyPr/>
+          <a:lstStyle/>
+          <a:p>
+            <a:fld id="{7A304655-5D53-B746-8252-3F5A598C52D3}" type="slidenum">
+              <a:rPr lang="en-CN" smtClean="0"/>
+              <a:pPr/>
+              <a:t>5</a:t>
+            </a:fld>
+            <a:endParaRPr lang="en-CN"/>
+          </a:p>
+        </p:txBody>
+      </p:sp>
+      <p:sp>
+        <p:nvSpPr>
+          <p:cNvPr id="3" name="Title 2">
+            <a:extLst>
+              <a:ext uri="{FF2B5EF4-FFF2-40B4-BE49-F238E27FC236}">
+                <a16:creationId xmlns:a16="http://schemas.microsoft.com/office/drawing/2014/main" id="{DA2CE602-A2AA-AEE4-5A57-589636875374}"/>
+              </a:ext>
+            </a:extLst>
+          </p:cNvPr>
+          <p:cNvSpPr>
+            <a:spLocks noGrp="1"/>
+          </p:cNvSpPr>
+          <p:nvPr>
+            <p:ph type="title"/>
+          </p:nvPr>
+        </p:nvSpPr>
+        <p:spPr/>
+        <p:txBody>
+          <a:bodyPr/>
+          <a:lstStyle/>
+          <a:p>
+            <a:r>
+              <a:rPr kumimoji="1" lang="zh-CN" altLang="en-US" dirty="0"/>
+              <a:t>一</a:t>
+            </a:r>
+            <a:r>
+              <a:rPr kumimoji="1" lang="en-US" altLang="zh-CN" dirty="0"/>
+              <a:t>.</a:t>
+            </a:r>
+            <a:r>
+              <a:rPr kumimoji="1" lang="zh-CN" altLang="en-US" dirty="0"/>
+              <a:t> 整除</a:t>
+            </a:r>
+          </a:p>
+        </p:txBody>
+      </p:sp>
+      <p:sp>
+        <p:nvSpPr>
+          <p:cNvPr id="6" name="TextBox 5">
+            <a:extLst>
+              <a:ext uri="{FF2B5EF4-FFF2-40B4-BE49-F238E27FC236}">
+                <a16:creationId xmlns:a16="http://schemas.microsoft.com/office/drawing/2014/main" id="{3793D923-C2BF-5C63-46FD-49BE86C4B907}"/>
+              </a:ext>
+            </a:extLst>
+          </p:cNvPr>
+          <p:cNvSpPr txBox="1"/>
+          <p:nvPr/>
+        </p:nvSpPr>
+        <p:spPr>
+          <a:xfrm>
+            <a:off x="776739" y="1040524"/>
+            <a:ext cx="2056973" cy="369332"/>
+          </a:xfrm>
+          <a:prstGeom prst="rect">
+            <a:avLst/>
+          </a:prstGeom>
+          <a:noFill/>
+        </p:spPr>
+        <p:txBody>
+          <a:bodyPr wrap="none" rtlCol="0">
+            <a:spAutoFit/>
+          </a:bodyPr>
+          <a:lstStyle/>
+          <a:p>
+            <a:r>
+              <a:rPr kumimoji="1" lang="en-US" altLang="zh-CN" dirty="0"/>
+              <a:t>2.</a:t>
+            </a:r>
+            <a:r>
+              <a:rPr kumimoji="1" lang="zh-CN" altLang="en-US" dirty="0"/>
+              <a:t> 整除的一些性质</a:t>
+            </a:r>
+          </a:p>
+        </p:txBody>
+      </p:sp>
+      <p:pic>
+        <p:nvPicPr>
+          <p:cNvPr id="8" name="Picture 7">
+            <a:extLst>
+              <a:ext uri="{FF2B5EF4-FFF2-40B4-BE49-F238E27FC236}">
+                <a16:creationId xmlns:a16="http://schemas.microsoft.com/office/drawing/2014/main" id="{AD5D4E0F-9D94-9ABE-934E-8372C2BFC1B9}"/>
+              </a:ext>
+            </a:extLst>
+          </p:cNvPr>
+          <p:cNvPicPr>
+            <a:picLocks noChangeAspect="1"/>
+          </p:cNvPicPr>
+          <p:nvPr/>
+        </p:nvPicPr>
+        <p:blipFill>
+          <a:blip r:embed="rId2"/>
+          <a:stretch>
+            <a:fillRect/>
+          </a:stretch>
+        </p:blipFill>
+        <p:spPr>
+          <a:xfrm>
+            <a:off x="1030215" y="1559433"/>
+            <a:ext cx="6077697" cy="700275"/>
+          </a:xfrm>
+          <a:prstGeom prst="rect">
+            <a:avLst/>
+          </a:prstGeom>
+        </p:spPr>
+      </p:pic>
+      <p:pic>
+        <p:nvPicPr>
+          <p:cNvPr id="9" name="Picture 8">
+            <a:extLst>
+              <a:ext uri="{FF2B5EF4-FFF2-40B4-BE49-F238E27FC236}">
+                <a16:creationId xmlns:a16="http://schemas.microsoft.com/office/drawing/2014/main" id="{9DBB8709-DB87-0603-ECAE-19049A0AA740}"/>
+              </a:ext>
+            </a:extLst>
+          </p:cNvPr>
+          <p:cNvPicPr>
+            <a:picLocks noChangeAspect="1"/>
+          </p:cNvPicPr>
+          <p:nvPr/>
+        </p:nvPicPr>
+        <p:blipFill>
+          <a:blip r:embed="rId3"/>
+          <a:stretch>
+            <a:fillRect/>
+          </a:stretch>
+        </p:blipFill>
+        <p:spPr>
+          <a:xfrm>
+            <a:off x="1030215" y="2138672"/>
+            <a:ext cx="6493914" cy="932963"/>
+          </a:xfrm>
+          <a:prstGeom prst="rect">
+            <a:avLst/>
+          </a:prstGeom>
+        </p:spPr>
+      </p:pic>
+      <mc:AlternateContent xmlns:mc="http://schemas.openxmlformats.org/markup-compatibility/2006" xmlns:a14="http://schemas.microsoft.com/office/drawing/2010/main">
+        <mc:Choice Requires="a14">
+          <p:sp>
+            <p:nvSpPr>
+              <p:cNvPr id="10" name="TextBox 9">
+                <a:extLst>
+                  <a:ext uri="{FF2B5EF4-FFF2-40B4-BE49-F238E27FC236}">
+                    <a16:creationId xmlns:a16="http://schemas.microsoft.com/office/drawing/2014/main" id="{D092F607-4D18-1C6E-BB95-379640AE65FB}"/>
+                  </a:ext>
+                </a:extLst>
+              </p:cNvPr>
+              <p:cNvSpPr txBox="1"/>
+              <p:nvPr/>
+            </p:nvSpPr>
+            <p:spPr>
+              <a:xfrm>
+                <a:off x="1030215" y="3184591"/>
+                <a:ext cx="3850862" cy="369332"/>
+              </a:xfrm>
+              <a:prstGeom prst="rect">
+                <a:avLst/>
+              </a:prstGeom>
+              <a:noFill/>
+            </p:spPr>
+            <p:txBody>
+              <a:bodyPr wrap="none" rtlCol="0">
+                <a:spAutoFit/>
+              </a:bodyPr>
+              <a:lstStyle/>
+              <a:p>
+                <a:r>
+                  <a:rPr kumimoji="1" lang="zh-CN" altLang="en-US" dirty="0"/>
+                  <a:t>证明方法</a:t>
+                </a:r>
+                <a:r>
+                  <a:rPr kumimoji="1" lang="en-US" altLang="zh-CN" dirty="0"/>
+                  <a:t>:</a:t>
+                </a:r>
+                <a:r>
+                  <a:rPr kumimoji="1" lang="zh-CN" altLang="en-US" dirty="0"/>
+                  <a:t> 拆分为</a:t>
+                </a:r>
+                <a14:m>
+                  <m:oMath xmlns:m="http://schemas.openxmlformats.org/officeDocument/2006/math">
+                    <m:r>
+                      <a:rPr kumimoji="1" lang="en-US" altLang="zh-CN" b="0" i="1" smtClean="0">
+                        <a:latin typeface="Cambria Math" panose="02040503050406030204" pitchFamily="18" charset="0"/>
+                      </a:rPr>
+                      <m:t>𝑎</m:t>
+                    </m:r>
+                    <m:r>
+                      <a:rPr kumimoji="1" lang="en-US" altLang="zh-CN" b="0" i="1" smtClean="0">
+                        <a:latin typeface="Cambria Math" panose="02040503050406030204" pitchFamily="18" charset="0"/>
+                      </a:rPr>
+                      <m:t>=</m:t>
+                    </m:r>
+                    <m:r>
+                      <a:rPr kumimoji="1" lang="en-US" altLang="zh-CN" b="0" i="1" smtClean="0">
+                        <a:latin typeface="Cambria Math" panose="02040503050406030204" pitchFamily="18" charset="0"/>
+                      </a:rPr>
+                      <m:t>𝑘𝑞</m:t>
+                    </m:r>
+                    <m:r>
+                      <a:rPr kumimoji="1" lang="en-US" altLang="zh-CN" b="0" i="1" smtClean="0">
+                        <a:latin typeface="Cambria Math" panose="02040503050406030204" pitchFamily="18" charset="0"/>
+                      </a:rPr>
+                      <m:t>+</m:t>
+                    </m:r>
+                    <m:r>
+                      <a:rPr kumimoji="1" lang="en-US" altLang="zh-CN" b="0" i="1" smtClean="0">
+                        <a:latin typeface="Cambria Math" panose="02040503050406030204" pitchFamily="18" charset="0"/>
+                      </a:rPr>
+                      <m:t>𝑟</m:t>
+                    </m:r>
+                    <m:d>
+                      <m:dPr>
+                        <m:ctrlPr>
+                          <a:rPr kumimoji="1" lang="en-US" altLang="zh-CN" b="0" i="1" smtClean="0">
+                            <a:latin typeface="Cambria Math" panose="02040503050406030204" pitchFamily="18" charset="0"/>
+                          </a:rPr>
+                        </m:ctrlPr>
+                      </m:dPr>
+                      <m:e>
+                        <m:r>
+                          <a:rPr kumimoji="1" lang="en-US" altLang="zh-CN" b="0" i="1" smtClean="0">
+                            <a:latin typeface="Cambria Math" panose="02040503050406030204" pitchFamily="18" charset="0"/>
+                          </a:rPr>
+                          <m:t>𝑟</m:t>
+                        </m:r>
+                        <m:r>
+                          <a:rPr kumimoji="1" lang="en-US" altLang="zh-CN" b="0" i="1" smtClean="0">
+                            <a:latin typeface="Cambria Math" panose="02040503050406030204" pitchFamily="18" charset="0"/>
+                          </a:rPr>
+                          <m:t>&lt;</m:t>
+                        </m:r>
+                        <m:r>
+                          <a:rPr kumimoji="1" lang="en-US" altLang="zh-CN" b="0" i="1" smtClean="0">
+                            <a:latin typeface="Cambria Math" panose="02040503050406030204" pitchFamily="18" charset="0"/>
+                          </a:rPr>
+                          <m:t>𝑞</m:t>
+                        </m:r>
+                      </m:e>
+                    </m:d>
+                    <m:r>
+                      <a:rPr kumimoji="1" lang="en-US" altLang="zh-CN" b="0" i="1" smtClean="0">
+                        <a:latin typeface="Cambria Math" panose="02040503050406030204" pitchFamily="18" charset="0"/>
+                      </a:rPr>
+                      <m:t>.</m:t>
+                    </m:r>
+                    <m:r>
+                      <a:rPr kumimoji="1" lang="zh-CN" altLang="en-US" b="0" i="1" smtClean="0">
+                        <a:latin typeface="Cambria Math" panose="02040503050406030204" pitchFamily="18" charset="0"/>
+                      </a:rPr>
+                      <m:t> </m:t>
+                    </m:r>
+                  </m:oMath>
+                </a14:m>
+                <a:endParaRPr kumimoji="1" lang="zh-CN" altLang="en-US" dirty="0"/>
+              </a:p>
+            </p:txBody>
+          </p:sp>
+        </mc:Choice>
+        <mc:Fallback xmlns="">
+          <p:sp>
+            <p:nvSpPr>
+              <p:cNvPr id="10" name="TextBox 9">
+                <a:extLst>
+                  <a:ext uri="{FF2B5EF4-FFF2-40B4-BE49-F238E27FC236}">
+                    <a16:creationId xmlns:a16="http://schemas.microsoft.com/office/drawing/2014/main" id="{D092F607-4D18-1C6E-BB95-379640AE65FB}"/>
+                  </a:ext>
+                </a:extLst>
+              </p:cNvPr>
+              <p:cNvSpPr txBox="1">
+                <a:spLocks noRot="1" noChangeAspect="1" noMove="1" noResize="1" noEditPoints="1" noAdjustHandles="1" noChangeArrowheads="1" noChangeShapeType="1" noTextEdit="1"/>
+              </p:cNvSpPr>
+              <p:nvPr/>
+            </p:nvSpPr>
+            <p:spPr>
+              <a:xfrm>
+                <a:off x="1030215" y="3184591"/>
+                <a:ext cx="3850862" cy="369332"/>
+              </a:xfrm>
+              <a:prstGeom prst="rect">
+                <a:avLst/>
+              </a:prstGeom>
+              <a:blipFill>
+                <a:blip r:embed="rId4"/>
+                <a:stretch>
+                  <a:fillRect l="-1316" t="-10000" b="-26667"/>
+                </a:stretch>
+              </a:blipFill>
+            </p:spPr>
+            <p:txBody>
+              <a:bodyPr/>
+              <a:lstStyle/>
+              <a:p>
+                <a:r>
+                  <a:rPr lang="zh-CN" altLang="en-US">
+                    <a:noFill/>
+                  </a:rPr>
+                  <a:t> </a:t>
+                </a:r>
+              </a:p>
+            </p:txBody>
+          </p:sp>
+        </mc:Fallback>
+      </mc:AlternateContent>
+      <p:sp>
+        <p:nvSpPr>
+          <p:cNvPr id="11" name="Cloud Callout 10">
+            <a:extLst>
+              <a:ext uri="{FF2B5EF4-FFF2-40B4-BE49-F238E27FC236}">
+                <a16:creationId xmlns:a16="http://schemas.microsoft.com/office/drawing/2014/main" id="{4089014F-E9B3-2252-2CAD-5CFA1D0D7C9A}"/>
+              </a:ext>
+            </a:extLst>
+          </p:cNvPr>
+          <p:cNvSpPr/>
+          <p:nvPr/>
+        </p:nvSpPr>
+        <p:spPr>
+          <a:xfrm>
+            <a:off x="4277172" y="1743803"/>
+            <a:ext cx="1355464" cy="624454"/>
+          </a:xfrm>
+          <a:prstGeom prst="cloudCallout">
+            <a:avLst>
+              <a:gd name="adj1" fmla="val -69047"/>
+              <a:gd name="adj2" fmla="val 44021"/>
+            </a:avLst>
+          </a:prstGeom>
+          <a:solidFill>
+            <a:schemeClr val="bg1"/>
+          </a:solidFill>
+          <a:ln>
+            <a:solidFill>
+              <a:schemeClr val="tx1">
+                <a:alpha val="47000"/>
+              </a:schemeClr>
+            </a:solidFill>
+          </a:ln>
+        </p:spPr>
+        <p:style>
+          <a:lnRef idx="2">
+            <a:schemeClr val="accent1">
+              <a:shade val="50000"/>
+            </a:schemeClr>
+          </a:lnRef>
+          <a:fillRef idx="1">
+            <a:schemeClr val="accent1"/>
+          </a:fillRef>
+          <a:effectRef idx="0">
+            <a:schemeClr val="accent1"/>
+          </a:effectRef>
+          <a:fontRef idx="minor">
+            <a:schemeClr val="lt1"/>
+          </a:fontRef>
+        </p:style>
+        <p:txBody>
+          <a:bodyPr rtlCol="0" anchor="t"/>
+          <a:lstStyle/>
+          <a:p>
+            <a:r>
+              <a:rPr kumimoji="1" lang="zh-CN" altLang="en-US" sz="1050" dirty="0">
+                <a:solidFill>
+                  <a:schemeClr val="bg1">
+                    <a:lumMod val="65000"/>
+                  </a:schemeClr>
+                </a:solidFill>
+                <a:latin typeface="Times New Roman" panose="02020603050405020304" pitchFamily="18" charset="0"/>
+                <a:cs typeface="Times New Roman" panose="02020603050405020304" pitchFamily="18" charset="0"/>
+              </a:rPr>
+              <a:t>很像线性组合</a:t>
+            </a:r>
+          </a:p>
+        </p:txBody>
+      </p:sp>
+      <p:pic>
+        <p:nvPicPr>
+          <p:cNvPr id="7" name="Picture 6">
+            <a:extLst>
+              <a:ext uri="{FF2B5EF4-FFF2-40B4-BE49-F238E27FC236}">
+                <a16:creationId xmlns:a16="http://schemas.microsoft.com/office/drawing/2014/main" id="{8F1A36FB-B17E-6534-54A5-6A28CE3D8B39}"/>
+              </a:ext>
+            </a:extLst>
+          </p:cNvPr>
+          <p:cNvPicPr>
+            <a:picLocks noChangeAspect="1"/>
+          </p:cNvPicPr>
+          <p:nvPr/>
+        </p:nvPicPr>
+        <p:blipFill>
+          <a:blip r:embed="rId5"/>
+          <a:stretch>
+            <a:fillRect/>
+          </a:stretch>
+        </p:blipFill>
+        <p:spPr>
+          <a:xfrm>
+            <a:off x="1030215" y="3547589"/>
+            <a:ext cx="6908800" cy="2692400"/>
+          </a:xfrm>
+          <a:prstGeom prst="rect">
+            <a:avLst/>
+          </a:prstGeom>
+        </p:spPr>
+      </p:pic>
+    </p:spTree>
+    <p:extLst>
+      <p:ext uri="{BB962C8B-B14F-4D97-AF65-F5344CB8AC3E}">
+        <p14:creationId xmlns:p14="http://schemas.microsoft.com/office/powerpoint/2010/main" val="1886881911"/>
+      </p:ext>
+    </p:extLst>
+  </p:cSld>
+  <p:clrMapOvr>
+    <a:masterClrMapping/>
+  </p:clrMapOvr>
+</p:sld>
+</file>
+
+<file path=ppt/slides/slide6.xml><?xml version="1.0" encoding="utf-8"?>
+<p:sld xmlns:a="http://schemas.openxmlformats.org/drawingml/2006/main" xmlns:r="http://schemas.openxmlformats.org/officeDocument/2006/relationships" xmlns:p="http://schemas.openxmlformats.org/presentationml/2006/main">
+  <p:cSld>
+    <p:spTree>
+      <p:nvGrpSpPr>
+        <p:cNvPr id="1" name=""/>
+        <p:cNvGrpSpPr/>
+        <p:nvPr/>
+      </p:nvGrpSpPr>
+      <p:grpSpPr>
+        <a:xfrm>
+          <a:off x="0" y="0"/>
+          <a:ext cx="0" cy="0"/>
+          <a:chOff x="0" y="0"/>
+          <a:chExt cx="0" cy="0"/>
+        </a:xfrm>
+      </p:grpSpPr>
+      <p:sp>
+        <p:nvSpPr>
+          <p:cNvPr id="2" name="Slide Number Placeholder 1">
+            <a:extLst>
+              <a:ext uri="{FF2B5EF4-FFF2-40B4-BE49-F238E27FC236}">
+                <a16:creationId xmlns:a16="http://schemas.microsoft.com/office/drawing/2014/main" id="{63ADFD68-F324-D003-8B44-08CB016BABD6}"/>
+              </a:ext>
+            </a:extLst>
+          </p:cNvPr>
+          <p:cNvSpPr>
+            <a:spLocks noGrp="1"/>
+          </p:cNvSpPr>
+          <p:nvPr>
+            <p:ph type="sldNum" sz="quarter" idx="12"/>
+          </p:nvPr>
+        </p:nvSpPr>
+        <p:spPr/>
+        <p:txBody>
+          <a:bodyPr/>
+          <a:lstStyle/>
+          <a:p>
+            <a:fld id="{7A304655-5D53-B746-8252-3F5A598C52D3}" type="slidenum">
+              <a:rPr lang="en-CN" smtClean="0"/>
+              <a:pPr/>
+              <a:t>6</a:t>
+            </a:fld>
+            <a:endParaRPr lang="en-CN"/>
+          </a:p>
+        </p:txBody>
+      </p:sp>
+      <p:sp>
+        <p:nvSpPr>
+          <p:cNvPr id="3" name="Title 2">
+            <a:extLst>
+              <a:ext uri="{FF2B5EF4-FFF2-40B4-BE49-F238E27FC236}">
+                <a16:creationId xmlns:a16="http://schemas.microsoft.com/office/drawing/2014/main" id="{DA2CE602-A2AA-AEE4-5A57-589636875374}"/>
+              </a:ext>
+            </a:extLst>
+          </p:cNvPr>
+          <p:cNvSpPr>
+            <a:spLocks noGrp="1"/>
+          </p:cNvSpPr>
+          <p:nvPr>
+            <p:ph type="title"/>
+          </p:nvPr>
+        </p:nvSpPr>
+        <p:spPr/>
+        <p:txBody>
+          <a:bodyPr/>
+          <a:lstStyle/>
+          <a:p>
+            <a:r>
+              <a:rPr kumimoji="1" lang="zh-CN" altLang="en-US" dirty="0"/>
+              <a:t>一</a:t>
+            </a:r>
+            <a:r>
+              <a:rPr kumimoji="1" lang="en-US" altLang="zh-CN" dirty="0"/>
+              <a:t>.</a:t>
+            </a:r>
+            <a:r>
+              <a:rPr kumimoji="1" lang="zh-CN" altLang="en-US" dirty="0"/>
+              <a:t> 整除</a:t>
+            </a:r>
+          </a:p>
+        </p:txBody>
+      </p:sp>
+      <p:sp>
+        <p:nvSpPr>
+          <p:cNvPr id="6" name="TextBox 5">
+            <a:extLst>
+              <a:ext uri="{FF2B5EF4-FFF2-40B4-BE49-F238E27FC236}">
+                <a16:creationId xmlns:a16="http://schemas.microsoft.com/office/drawing/2014/main" id="{3793D923-C2BF-5C63-46FD-49BE86C4B907}"/>
+              </a:ext>
+            </a:extLst>
+          </p:cNvPr>
+          <p:cNvSpPr txBox="1"/>
+          <p:nvPr/>
+        </p:nvSpPr>
+        <p:spPr>
+          <a:xfrm>
+            <a:off x="776739" y="1040524"/>
+            <a:ext cx="2056973" cy="369332"/>
+          </a:xfrm>
+          <a:prstGeom prst="rect">
+            <a:avLst/>
+          </a:prstGeom>
+          <a:noFill/>
+        </p:spPr>
+        <p:txBody>
+          <a:bodyPr wrap="none" rtlCol="0">
+            <a:spAutoFit/>
+          </a:bodyPr>
+          <a:lstStyle/>
+          <a:p>
+            <a:r>
+              <a:rPr kumimoji="1" lang="en-US" altLang="zh-CN" dirty="0"/>
+              <a:t>2.</a:t>
+            </a:r>
+            <a:r>
+              <a:rPr kumimoji="1" lang="zh-CN" altLang="en-US" dirty="0"/>
+              <a:t> 整除的一些性质</a:t>
+            </a:r>
+          </a:p>
+        </p:txBody>
+      </p:sp>
+      <p:pic>
+        <p:nvPicPr>
+          <p:cNvPr id="8" name="Picture 7">
+            <a:extLst>
+              <a:ext uri="{FF2B5EF4-FFF2-40B4-BE49-F238E27FC236}">
+                <a16:creationId xmlns:a16="http://schemas.microsoft.com/office/drawing/2014/main" id="{AD5D4E0F-9D94-9ABE-934E-8372C2BFC1B9}"/>
+              </a:ext>
+            </a:extLst>
+          </p:cNvPr>
+          <p:cNvPicPr>
+            <a:picLocks noChangeAspect="1"/>
+          </p:cNvPicPr>
+          <p:nvPr/>
+        </p:nvPicPr>
+        <p:blipFill>
+          <a:blip r:embed="rId2"/>
+          <a:stretch>
+            <a:fillRect/>
+          </a:stretch>
+        </p:blipFill>
+        <p:spPr>
+          <a:xfrm>
+            <a:off x="1030215" y="1559433"/>
+            <a:ext cx="6077697" cy="700275"/>
+          </a:xfrm>
+          <a:prstGeom prst="rect">
+            <a:avLst/>
+          </a:prstGeom>
+        </p:spPr>
+      </p:pic>
+      <p:pic>
+        <p:nvPicPr>
+          <p:cNvPr id="9" name="Picture 8">
+            <a:extLst>
+              <a:ext uri="{FF2B5EF4-FFF2-40B4-BE49-F238E27FC236}">
+                <a16:creationId xmlns:a16="http://schemas.microsoft.com/office/drawing/2014/main" id="{9DBB8709-DB87-0603-ECAE-19049A0AA740}"/>
+              </a:ext>
+            </a:extLst>
+          </p:cNvPr>
+          <p:cNvPicPr>
+            <a:picLocks noChangeAspect="1"/>
+          </p:cNvPicPr>
+          <p:nvPr/>
+        </p:nvPicPr>
+        <p:blipFill>
+          <a:blip r:embed="rId3"/>
+          <a:stretch>
+            <a:fillRect/>
+          </a:stretch>
+        </p:blipFill>
+        <p:spPr>
+          <a:xfrm>
+            <a:off x="1030215" y="2138672"/>
+            <a:ext cx="6493914" cy="932963"/>
+          </a:xfrm>
+          <a:prstGeom prst="rect">
+            <a:avLst/>
+          </a:prstGeom>
+        </p:spPr>
+      </p:pic>
+      <mc:AlternateContent xmlns:mc="http://schemas.openxmlformats.org/markup-compatibility/2006" xmlns:a14="http://schemas.microsoft.com/office/drawing/2010/main">
+        <mc:Choice Requires="a14">
+          <p:sp>
+            <p:nvSpPr>
+              <p:cNvPr id="10" name="TextBox 9">
+                <a:extLst>
+                  <a:ext uri="{FF2B5EF4-FFF2-40B4-BE49-F238E27FC236}">
+                    <a16:creationId xmlns:a16="http://schemas.microsoft.com/office/drawing/2014/main" id="{D092F607-4D18-1C6E-BB95-379640AE65FB}"/>
+                  </a:ext>
+                </a:extLst>
+              </p:cNvPr>
+              <p:cNvSpPr txBox="1"/>
+              <p:nvPr/>
+            </p:nvSpPr>
+            <p:spPr>
+              <a:xfrm>
+                <a:off x="1030215" y="3184591"/>
+                <a:ext cx="3850862" cy="369332"/>
+              </a:xfrm>
+              <a:prstGeom prst="rect">
+                <a:avLst/>
+              </a:prstGeom>
+              <a:noFill/>
+            </p:spPr>
+            <p:txBody>
+              <a:bodyPr wrap="none" rtlCol="0">
+                <a:spAutoFit/>
+              </a:bodyPr>
+              <a:lstStyle/>
+              <a:p>
+                <a:r>
+                  <a:rPr kumimoji="1" lang="zh-CN" altLang="en-US" dirty="0"/>
+                  <a:t>证明方法</a:t>
+                </a:r>
+                <a:r>
+                  <a:rPr kumimoji="1" lang="en-US" altLang="zh-CN" dirty="0"/>
+                  <a:t>:</a:t>
+                </a:r>
+                <a:r>
+                  <a:rPr kumimoji="1" lang="zh-CN" altLang="en-US" dirty="0"/>
+                  <a:t> 拆分为</a:t>
+                </a:r>
+                <a14:m>
+                  <m:oMath xmlns:m="http://schemas.openxmlformats.org/officeDocument/2006/math">
+                    <m:r>
+                      <a:rPr kumimoji="1" lang="en-US" altLang="zh-CN" b="0" i="1" smtClean="0">
+                        <a:latin typeface="Cambria Math" panose="02040503050406030204" pitchFamily="18" charset="0"/>
+                      </a:rPr>
+                      <m:t>𝑎</m:t>
+                    </m:r>
+                    <m:r>
+                      <a:rPr kumimoji="1" lang="en-US" altLang="zh-CN" b="0" i="1" smtClean="0">
+                        <a:latin typeface="Cambria Math" panose="02040503050406030204" pitchFamily="18" charset="0"/>
+                      </a:rPr>
+                      <m:t>=</m:t>
+                    </m:r>
+                    <m:r>
+                      <a:rPr kumimoji="1" lang="en-US" altLang="zh-CN" b="0" i="1" smtClean="0">
+                        <a:latin typeface="Cambria Math" panose="02040503050406030204" pitchFamily="18" charset="0"/>
+                      </a:rPr>
+                      <m:t>𝑘𝑞</m:t>
+                    </m:r>
+                    <m:r>
+                      <a:rPr kumimoji="1" lang="en-US" altLang="zh-CN" b="0" i="1" smtClean="0">
+                        <a:latin typeface="Cambria Math" panose="02040503050406030204" pitchFamily="18" charset="0"/>
+                      </a:rPr>
+                      <m:t>+</m:t>
+                    </m:r>
+                    <m:r>
+                      <a:rPr kumimoji="1" lang="en-US" altLang="zh-CN" b="0" i="1" smtClean="0">
+                        <a:latin typeface="Cambria Math" panose="02040503050406030204" pitchFamily="18" charset="0"/>
+                      </a:rPr>
+                      <m:t>𝑟</m:t>
+                    </m:r>
+                    <m:d>
+                      <m:dPr>
+                        <m:ctrlPr>
+                          <a:rPr kumimoji="1" lang="en-US" altLang="zh-CN" b="0" i="1" smtClean="0">
+                            <a:latin typeface="Cambria Math" panose="02040503050406030204" pitchFamily="18" charset="0"/>
+                          </a:rPr>
+                        </m:ctrlPr>
+                      </m:dPr>
+                      <m:e>
+                        <m:r>
+                          <a:rPr kumimoji="1" lang="en-US" altLang="zh-CN" b="0" i="1" smtClean="0">
+                            <a:latin typeface="Cambria Math" panose="02040503050406030204" pitchFamily="18" charset="0"/>
+                          </a:rPr>
+                          <m:t>𝑟</m:t>
+                        </m:r>
+                        <m:r>
+                          <a:rPr kumimoji="1" lang="en-US" altLang="zh-CN" b="0" i="1" smtClean="0">
+                            <a:latin typeface="Cambria Math" panose="02040503050406030204" pitchFamily="18" charset="0"/>
+                          </a:rPr>
+                          <m:t>&lt;</m:t>
+                        </m:r>
+                        <m:r>
+                          <a:rPr kumimoji="1" lang="en-US" altLang="zh-CN" b="0" i="1" smtClean="0">
+                            <a:latin typeface="Cambria Math" panose="02040503050406030204" pitchFamily="18" charset="0"/>
+                          </a:rPr>
+                          <m:t>𝑞</m:t>
+                        </m:r>
+                      </m:e>
+                    </m:d>
+                    <m:r>
+                      <a:rPr kumimoji="1" lang="en-US" altLang="zh-CN" b="0" i="1" smtClean="0">
+                        <a:latin typeface="Cambria Math" panose="02040503050406030204" pitchFamily="18" charset="0"/>
+                      </a:rPr>
+                      <m:t>.</m:t>
+                    </m:r>
+                    <m:r>
+                      <a:rPr kumimoji="1" lang="zh-CN" altLang="en-US" b="0" i="1" smtClean="0">
+                        <a:latin typeface="Cambria Math" panose="02040503050406030204" pitchFamily="18" charset="0"/>
+                      </a:rPr>
+                      <m:t> </m:t>
+                    </m:r>
+                  </m:oMath>
+                </a14:m>
+                <a:endParaRPr kumimoji="1" lang="zh-CN" altLang="en-US" dirty="0"/>
+              </a:p>
+            </p:txBody>
+          </p:sp>
+        </mc:Choice>
+        <mc:Fallback xmlns="">
+          <p:sp>
+            <p:nvSpPr>
+              <p:cNvPr id="10" name="TextBox 9">
+                <a:extLst>
+                  <a:ext uri="{FF2B5EF4-FFF2-40B4-BE49-F238E27FC236}">
+                    <a16:creationId xmlns:a16="http://schemas.microsoft.com/office/drawing/2014/main" id="{D092F607-4D18-1C6E-BB95-379640AE65FB}"/>
+                  </a:ext>
+                </a:extLst>
+              </p:cNvPr>
+              <p:cNvSpPr txBox="1">
+                <a:spLocks noRot="1" noChangeAspect="1" noMove="1" noResize="1" noEditPoints="1" noAdjustHandles="1" noChangeArrowheads="1" noChangeShapeType="1" noTextEdit="1"/>
+              </p:cNvSpPr>
+              <p:nvPr/>
+            </p:nvSpPr>
+            <p:spPr>
+              <a:xfrm>
+                <a:off x="1030215" y="3184591"/>
+                <a:ext cx="3850862" cy="369332"/>
+              </a:xfrm>
+              <a:prstGeom prst="rect">
+                <a:avLst/>
+              </a:prstGeom>
+              <a:blipFill>
+                <a:blip r:embed="rId4"/>
+                <a:stretch>
+                  <a:fillRect l="-1316" t="-10000" b="-26667"/>
+                </a:stretch>
+              </a:blipFill>
+            </p:spPr>
+            <p:txBody>
+              <a:bodyPr/>
+              <a:lstStyle/>
+              <a:p>
+                <a:r>
+                  <a:rPr lang="zh-CN" altLang="en-US">
+                    <a:noFill/>
+                  </a:rPr>
+                  <a:t> </a:t>
+                </a:r>
+              </a:p>
+            </p:txBody>
+          </p:sp>
+        </mc:Fallback>
+      </mc:AlternateContent>
+      <p:sp>
+        <p:nvSpPr>
+          <p:cNvPr id="11" name="Cloud Callout 10">
+            <a:extLst>
+              <a:ext uri="{FF2B5EF4-FFF2-40B4-BE49-F238E27FC236}">
+                <a16:creationId xmlns:a16="http://schemas.microsoft.com/office/drawing/2014/main" id="{4089014F-E9B3-2252-2CAD-5CFA1D0D7C9A}"/>
+              </a:ext>
+            </a:extLst>
+          </p:cNvPr>
+          <p:cNvSpPr/>
+          <p:nvPr/>
+        </p:nvSpPr>
+        <p:spPr>
+          <a:xfrm>
+            <a:off x="4277172" y="1691732"/>
+            <a:ext cx="1355464" cy="624454"/>
+          </a:xfrm>
+          <a:prstGeom prst="cloudCallout">
+            <a:avLst>
+              <a:gd name="adj1" fmla="val -69047"/>
+              <a:gd name="adj2" fmla="val 44021"/>
+            </a:avLst>
+          </a:prstGeom>
+          <a:noFill/>
+          <a:ln>
+            <a:solidFill>
+              <a:schemeClr val="tx1">
+                <a:alpha val="47000"/>
+              </a:schemeClr>
+            </a:solidFill>
+          </a:ln>
+        </p:spPr>
+        <p:style>
+          <a:lnRef idx="2">
+            <a:schemeClr val="accent1">
+              <a:shade val="50000"/>
+            </a:schemeClr>
+          </a:lnRef>
+          <a:fillRef idx="1">
+            <a:schemeClr val="accent1"/>
+          </a:fillRef>
+          <a:effectRef idx="0">
+            <a:schemeClr val="accent1"/>
+          </a:effectRef>
+          <a:fontRef idx="minor">
+            <a:schemeClr val="lt1"/>
+          </a:fontRef>
+        </p:style>
+        <p:txBody>
+          <a:bodyPr rtlCol="0" anchor="t"/>
+          <a:lstStyle/>
+          <a:p>
+            <a:r>
+              <a:rPr kumimoji="1" lang="zh-CN" altLang="en-US" sz="1050" dirty="0">
+                <a:solidFill>
+                  <a:schemeClr val="bg1">
+                    <a:lumMod val="65000"/>
+                  </a:schemeClr>
+                </a:solidFill>
+                <a:latin typeface="Times New Roman" panose="02020603050405020304" pitchFamily="18" charset="0"/>
+                <a:cs typeface="Times New Roman" panose="02020603050405020304" pitchFamily="18" charset="0"/>
+              </a:rPr>
+              <a:t>很像线性组合</a:t>
+            </a:r>
+          </a:p>
+        </p:txBody>
+      </p:sp>
+      <p:grpSp>
+        <p:nvGrpSpPr>
+          <p:cNvPr id="13" name="Group 12">
+            <a:extLst>
+              <a:ext uri="{FF2B5EF4-FFF2-40B4-BE49-F238E27FC236}">
+                <a16:creationId xmlns:a16="http://schemas.microsoft.com/office/drawing/2014/main" id="{3CAD2754-8FBC-E08D-4824-C12217656F59}"/>
+              </a:ext>
+            </a:extLst>
+          </p:cNvPr>
+          <p:cNvGrpSpPr/>
+          <p:nvPr/>
+        </p:nvGrpSpPr>
+        <p:grpSpPr>
+          <a:xfrm>
+            <a:off x="6282407" y="197576"/>
+            <a:ext cx="2405518" cy="1342663"/>
+            <a:chOff x="628652" y="2280213"/>
+            <a:chExt cx="5543020" cy="1342663"/>
+          </a:xfrm>
+        </p:grpSpPr>
+        <p:sp>
+          <p:nvSpPr>
+            <p:cNvPr id="14" name="Rounded Rectangle 13">
+              <a:extLst>
+                <a:ext uri="{FF2B5EF4-FFF2-40B4-BE49-F238E27FC236}">
+                  <a16:creationId xmlns:a16="http://schemas.microsoft.com/office/drawing/2014/main" id="{B17EEDE0-71DE-7CF4-ACA3-5776B1B16042}"/>
+                </a:ext>
+              </a:extLst>
+            </p:cNvPr>
+            <p:cNvSpPr/>
+            <p:nvPr/>
+          </p:nvSpPr>
+          <p:spPr>
+            <a:xfrm>
+              <a:off x="628652" y="2592729"/>
+              <a:ext cx="5543020" cy="1030147"/>
+            </a:xfrm>
+            <a:prstGeom prst="roundRect">
+              <a:avLst/>
+            </a:prstGeom>
+            <a:solidFill>
+              <a:schemeClr val="accent1">
+                <a:alpha val="22261"/>
+              </a:schemeClr>
+            </a:solidFill>
+            <a:ln>
+              <a:solidFill>
+                <a:schemeClr val="accent1">
+                  <a:shade val="50000"/>
+                </a:schemeClr>
+              </a:solidFill>
+            </a:ln>
+            <a:effectLst>
+              <a:outerShdw blurRad="50800" dist="38100" algn="l" rotWithShape="0">
+                <a:prstClr val="black">
+                  <a:alpha val="40000"/>
+                </a:prstClr>
+              </a:outerShdw>
+            </a:effectLst>
+          </p:spPr>
+          <p:style>
+            <a:lnRef idx="2">
+              <a:schemeClr val="accent1">
+                <a:shade val="50000"/>
+              </a:schemeClr>
+            </a:lnRef>
+            <a:fillRef idx="1">
+              <a:schemeClr val="accent1"/>
+            </a:fillRef>
+            <a:effectRef idx="0">
+              <a:schemeClr val="accent1"/>
+            </a:effectRef>
+            <a:fontRef idx="minor">
+              <a:schemeClr val="lt1"/>
+            </a:fontRef>
+          </p:style>
+          <p:txBody>
+            <a:bodyPr rtlCol="0" anchor="ctr"/>
+            <a:lstStyle/>
+            <a:p>
+              <a:pPr algn="ctr"/>
+              <a:endParaRPr kumimoji="1" lang="zh-CN" altLang="en-US"/>
+            </a:p>
+          </p:txBody>
+        </p:sp>
+        <p:sp>
+          <p:nvSpPr>
+            <p:cNvPr id="15" name="Rectangle 14">
+              <a:extLst>
+                <a:ext uri="{FF2B5EF4-FFF2-40B4-BE49-F238E27FC236}">
+                  <a16:creationId xmlns:a16="http://schemas.microsoft.com/office/drawing/2014/main" id="{83FB20B9-7208-0C0B-96F7-BA6FA29A787A}"/>
+                </a:ext>
+              </a:extLst>
+            </p:cNvPr>
+            <p:cNvSpPr/>
+            <p:nvPr/>
+          </p:nvSpPr>
+          <p:spPr>
+            <a:xfrm>
+              <a:off x="868101" y="2280213"/>
+              <a:ext cx="2407528" cy="312516"/>
+            </a:xfrm>
+            <a:prstGeom prst="rect">
+              <a:avLst/>
+            </a:prstGeom>
+          </p:spPr>
+          <p:style>
+            <a:lnRef idx="2">
+              <a:schemeClr val="accent1">
+                <a:shade val="50000"/>
+              </a:schemeClr>
+            </a:lnRef>
+            <a:fillRef idx="1">
+              <a:schemeClr val="accent1"/>
+            </a:fillRef>
+            <a:effectRef idx="0">
+              <a:schemeClr val="accent1"/>
+            </a:effectRef>
+            <a:fontRef idx="minor">
+              <a:schemeClr val="lt1"/>
+            </a:fontRef>
+          </p:style>
+          <p:txBody>
+            <a:bodyPr rtlCol="0" anchor="ctr"/>
+            <a:lstStyle/>
+            <a:p>
+              <a:pPr algn="ctr"/>
+              <a:r>
+                <a:rPr kumimoji="1" lang="en-US" altLang="zh-CN" dirty="0"/>
+                <a:t>Word</a:t>
+              </a:r>
+              <a:endParaRPr kumimoji="1" lang="zh-CN" altLang="en-US" dirty="0"/>
+            </a:p>
+          </p:txBody>
+        </p:sp>
+        <p:sp>
+          <p:nvSpPr>
+            <p:cNvPr id="16" name="TextBox 15">
+              <a:extLst>
+                <a:ext uri="{FF2B5EF4-FFF2-40B4-BE49-F238E27FC236}">
+                  <a16:creationId xmlns:a16="http://schemas.microsoft.com/office/drawing/2014/main" id="{52F2CDEB-49A2-7157-99C8-B59D118409D5}"/>
+                </a:ext>
+              </a:extLst>
+            </p:cNvPr>
+            <p:cNvSpPr txBox="1"/>
+            <p:nvPr/>
+          </p:nvSpPr>
+          <p:spPr>
+            <a:xfrm>
+              <a:off x="844954" y="2761005"/>
+              <a:ext cx="5270298" cy="646331"/>
+            </a:xfrm>
+            <a:prstGeom prst="rect">
+              <a:avLst/>
+            </a:prstGeom>
+            <a:noFill/>
+          </p:spPr>
+          <p:txBody>
+            <a:bodyPr wrap="square">
+              <a:spAutoFit/>
+            </a:bodyPr>
+            <a:lstStyle/>
+            <a:p>
+              <a:r>
+                <a:rPr kumimoji="1" lang="en-US" altLang="zh-CN" dirty="0"/>
+                <a:t>linear</a:t>
+              </a:r>
+              <a:r>
+                <a:rPr kumimoji="1" lang="zh-CN" altLang="en-US" dirty="0"/>
+                <a:t> 线性</a:t>
+              </a:r>
+              <a:endParaRPr kumimoji="1" lang="en-US" altLang="zh-CN" dirty="0"/>
+            </a:p>
+            <a:p>
+              <a:r>
+                <a:rPr kumimoji="1" lang="en-US" altLang="zh-CN" dirty="0"/>
+                <a:t>combination</a:t>
+              </a:r>
+              <a:r>
+                <a:rPr kumimoji="1" lang="zh-CN" altLang="en-US" dirty="0"/>
+                <a:t> 组合</a:t>
+              </a:r>
+            </a:p>
+          </p:txBody>
+        </p:sp>
+      </p:grpSp>
+      <p:pic>
+        <p:nvPicPr>
+          <p:cNvPr id="4" name="Picture 3">
+            <a:extLst>
+              <a:ext uri="{FF2B5EF4-FFF2-40B4-BE49-F238E27FC236}">
+                <a16:creationId xmlns:a16="http://schemas.microsoft.com/office/drawing/2014/main" id="{E98C139A-FAC6-9137-58C9-E9B6FF08C4EF}"/>
+              </a:ext>
+            </a:extLst>
+          </p:cNvPr>
+          <p:cNvPicPr>
+            <a:picLocks noChangeAspect="1"/>
+          </p:cNvPicPr>
+          <p:nvPr/>
+        </p:nvPicPr>
+        <p:blipFill>
+          <a:blip r:embed="rId5"/>
+          <a:stretch>
+            <a:fillRect/>
+          </a:stretch>
+        </p:blipFill>
+        <p:spPr>
+          <a:xfrm>
+            <a:off x="1016437" y="3786366"/>
+            <a:ext cx="6743700" cy="1295400"/>
+          </a:xfrm>
+          <a:prstGeom prst="rect">
+            <a:avLst/>
+          </a:prstGeom>
+        </p:spPr>
+      </p:pic>
+    </p:spTree>
+    <p:extLst>
+      <p:ext uri="{BB962C8B-B14F-4D97-AF65-F5344CB8AC3E}">
+        <p14:creationId xmlns:p14="http://schemas.microsoft.com/office/powerpoint/2010/main" val="2995343122"/>
+      </p:ext>
+    </p:extLst>
+  </p:cSld>
+  <p:clrMapOvr>
+    <a:masterClrMapping/>
+  </p:clrMapOvr>
+</p:sld>
+</file>
+
+<file path=ppt/slides/slide7.xml><?xml version="1.0" encoding="utf-8"?>
+<p:sld xmlns:a="http://schemas.openxmlformats.org/drawingml/2006/main" xmlns:r="http://schemas.openxmlformats.org/officeDocument/2006/relationships" xmlns:p="http://schemas.openxmlformats.org/presentationml/2006/main">
+  <p:cSld>
+    <p:spTree>
+      <p:nvGrpSpPr>
+        <p:cNvPr id="1" name=""/>
+        <p:cNvGrpSpPr/>
+        <p:nvPr/>
+      </p:nvGrpSpPr>
+      <p:grpSpPr>
+        <a:xfrm>
+          <a:off x="0" y="0"/>
+          <a:ext cx="0" cy="0"/>
+          <a:chOff x="0" y="0"/>
+          <a:chExt cx="0" cy="0"/>
+        </a:xfrm>
+      </p:grpSpPr>
+      <p:sp>
+        <p:nvSpPr>
+          <p:cNvPr id="2" name="Slide Number Placeholder 1">
+            <a:extLst>
+              <a:ext uri="{FF2B5EF4-FFF2-40B4-BE49-F238E27FC236}">
+                <a16:creationId xmlns:a16="http://schemas.microsoft.com/office/drawing/2014/main" id="{63ADFD68-F324-D003-8B44-08CB016BABD6}"/>
+              </a:ext>
+            </a:extLst>
+          </p:cNvPr>
+          <p:cNvSpPr>
+            <a:spLocks noGrp="1"/>
+          </p:cNvSpPr>
+          <p:nvPr>
+            <p:ph type="sldNum" sz="quarter" idx="12"/>
+          </p:nvPr>
+        </p:nvSpPr>
+        <p:spPr/>
+        <p:txBody>
+          <a:bodyPr/>
+          <a:lstStyle/>
+          <a:p>
+            <a:fld id="{7A304655-5D53-B746-8252-3F5A598C52D3}" type="slidenum">
+              <a:rPr lang="en-CN" smtClean="0"/>
+              <a:pPr/>
+              <a:t>7</a:t>
+            </a:fld>
+            <a:endParaRPr lang="en-CN"/>
+          </a:p>
+        </p:txBody>
+      </p:sp>
+      <p:sp>
+        <p:nvSpPr>
+          <p:cNvPr id="3" name="Title 2">
+            <a:extLst>
+              <a:ext uri="{FF2B5EF4-FFF2-40B4-BE49-F238E27FC236}">
+                <a16:creationId xmlns:a16="http://schemas.microsoft.com/office/drawing/2014/main" id="{DA2CE602-A2AA-AEE4-5A57-589636875374}"/>
+              </a:ext>
+            </a:extLst>
+          </p:cNvPr>
+          <p:cNvSpPr>
+            <a:spLocks noGrp="1"/>
+          </p:cNvSpPr>
+          <p:nvPr>
+            <p:ph type="title"/>
+          </p:nvPr>
+        </p:nvSpPr>
+        <p:spPr/>
+        <p:txBody>
+          <a:bodyPr/>
+          <a:lstStyle/>
+          <a:p>
+            <a:r>
+              <a:rPr kumimoji="1" lang="zh-CN" altLang="en-US" dirty="0"/>
+              <a:t>一</a:t>
+            </a:r>
+            <a:r>
+              <a:rPr kumimoji="1" lang="en-US" altLang="zh-CN" dirty="0"/>
+              <a:t>.</a:t>
+            </a:r>
+            <a:r>
+              <a:rPr kumimoji="1" lang="zh-CN" altLang="en-US" dirty="0"/>
+              <a:t> 整除</a:t>
+            </a:r>
+          </a:p>
+        </p:txBody>
+      </p:sp>
+      <p:sp>
+        <p:nvSpPr>
+          <p:cNvPr id="6" name="TextBox 5">
+            <a:extLst>
+              <a:ext uri="{FF2B5EF4-FFF2-40B4-BE49-F238E27FC236}">
+                <a16:creationId xmlns:a16="http://schemas.microsoft.com/office/drawing/2014/main" id="{3793D923-C2BF-5C63-46FD-49BE86C4B907}"/>
+              </a:ext>
+            </a:extLst>
+          </p:cNvPr>
+          <p:cNvSpPr txBox="1"/>
+          <p:nvPr/>
+        </p:nvSpPr>
+        <p:spPr>
+          <a:xfrm>
+            <a:off x="776739" y="1040524"/>
+            <a:ext cx="1364476" cy="369332"/>
+          </a:xfrm>
+          <a:prstGeom prst="rect">
+            <a:avLst/>
+          </a:prstGeom>
+          <a:noFill/>
+        </p:spPr>
+        <p:txBody>
+          <a:bodyPr wrap="none" rtlCol="0">
+            <a:spAutoFit/>
+          </a:bodyPr>
+          <a:lstStyle/>
+          <a:p>
+            <a:r>
+              <a:rPr kumimoji="1" lang="en-US" altLang="zh-CN" dirty="0"/>
+              <a:t>3.</a:t>
+            </a:r>
+            <a:r>
+              <a:rPr kumimoji="1" lang="zh-CN" altLang="en-US" dirty="0"/>
+              <a:t> 整除定理</a:t>
+            </a:r>
+          </a:p>
+        </p:txBody>
+      </p:sp>
+      <p:grpSp>
+        <p:nvGrpSpPr>
+          <p:cNvPr id="13" name="Group 12">
+            <a:extLst>
+              <a:ext uri="{FF2B5EF4-FFF2-40B4-BE49-F238E27FC236}">
+                <a16:creationId xmlns:a16="http://schemas.microsoft.com/office/drawing/2014/main" id="{3CAD2754-8FBC-E08D-4824-C12217656F59}"/>
+              </a:ext>
+            </a:extLst>
+          </p:cNvPr>
+          <p:cNvGrpSpPr/>
+          <p:nvPr/>
+        </p:nvGrpSpPr>
+        <p:grpSpPr>
+          <a:xfrm>
+            <a:off x="6282407" y="245969"/>
+            <a:ext cx="2861593" cy="1883738"/>
+            <a:chOff x="628652" y="2280213"/>
+            <a:chExt cx="6593951" cy="1883738"/>
+          </a:xfrm>
+        </p:grpSpPr>
+        <p:sp>
+          <p:nvSpPr>
+            <p:cNvPr id="14" name="Rounded Rectangle 13">
+              <a:extLst>
+                <a:ext uri="{FF2B5EF4-FFF2-40B4-BE49-F238E27FC236}">
+                  <a16:creationId xmlns:a16="http://schemas.microsoft.com/office/drawing/2014/main" id="{B17EEDE0-71DE-7CF4-ACA3-5776B1B16042}"/>
+                </a:ext>
+              </a:extLst>
+            </p:cNvPr>
+            <p:cNvSpPr/>
+            <p:nvPr/>
+          </p:nvSpPr>
+          <p:spPr>
+            <a:xfrm>
+              <a:off x="628652" y="2592729"/>
+              <a:ext cx="5543020" cy="1241706"/>
+            </a:xfrm>
+            <a:prstGeom prst="roundRect">
+              <a:avLst/>
+            </a:prstGeom>
+            <a:solidFill>
+              <a:schemeClr val="accent1">
+                <a:alpha val="22261"/>
+              </a:schemeClr>
+            </a:solidFill>
+            <a:ln>
+              <a:solidFill>
+                <a:schemeClr val="accent1">
+                  <a:shade val="50000"/>
+                </a:schemeClr>
+              </a:solidFill>
+            </a:ln>
+            <a:effectLst>
+              <a:outerShdw blurRad="50800" dist="38100" algn="l" rotWithShape="0">
+                <a:prstClr val="black">
+                  <a:alpha val="40000"/>
+                </a:prstClr>
+              </a:outerShdw>
+            </a:effectLst>
+          </p:spPr>
+          <p:style>
+            <a:lnRef idx="2">
+              <a:schemeClr val="accent1">
+                <a:shade val="50000"/>
+              </a:schemeClr>
+            </a:lnRef>
+            <a:fillRef idx="1">
+              <a:schemeClr val="accent1"/>
+            </a:fillRef>
+            <a:effectRef idx="0">
+              <a:schemeClr val="accent1"/>
+            </a:effectRef>
+            <a:fontRef idx="minor">
+              <a:schemeClr val="lt1"/>
+            </a:fontRef>
+          </p:style>
+          <p:txBody>
+            <a:bodyPr rtlCol="0" anchor="ctr"/>
+            <a:lstStyle/>
+            <a:p>
+              <a:pPr algn="ctr"/>
+              <a:endParaRPr kumimoji="1" lang="zh-CN" altLang="en-US"/>
+            </a:p>
+          </p:txBody>
+        </p:sp>
+        <p:sp>
+          <p:nvSpPr>
+            <p:cNvPr id="15" name="Rectangle 14">
+              <a:extLst>
+                <a:ext uri="{FF2B5EF4-FFF2-40B4-BE49-F238E27FC236}">
+                  <a16:creationId xmlns:a16="http://schemas.microsoft.com/office/drawing/2014/main" id="{83FB20B9-7208-0C0B-96F7-BA6FA29A787A}"/>
+                </a:ext>
+              </a:extLst>
+            </p:cNvPr>
+            <p:cNvSpPr/>
+            <p:nvPr/>
+          </p:nvSpPr>
+          <p:spPr>
+            <a:xfrm>
+              <a:off x="868101" y="2280213"/>
+              <a:ext cx="2407528" cy="312516"/>
+            </a:xfrm>
+            <a:prstGeom prst="rect">
+              <a:avLst/>
+            </a:prstGeom>
+          </p:spPr>
+          <p:style>
+            <a:lnRef idx="2">
+              <a:schemeClr val="accent1">
+                <a:shade val="50000"/>
+              </a:schemeClr>
+            </a:lnRef>
+            <a:fillRef idx="1">
+              <a:schemeClr val="accent1"/>
+            </a:fillRef>
+            <a:effectRef idx="0">
+              <a:schemeClr val="accent1"/>
+            </a:effectRef>
+            <a:fontRef idx="minor">
+              <a:schemeClr val="lt1"/>
+            </a:fontRef>
+          </p:style>
+          <p:txBody>
+            <a:bodyPr rtlCol="0" anchor="ctr"/>
+            <a:lstStyle/>
+            <a:p>
+              <a:pPr algn="ctr"/>
+              <a:r>
+                <a:rPr kumimoji="1" lang="en-US" altLang="zh-CN" dirty="0"/>
+                <a:t>Word</a:t>
+              </a:r>
+              <a:endParaRPr kumimoji="1" lang="zh-CN" altLang="en-US" dirty="0"/>
+            </a:p>
+          </p:txBody>
+        </p:sp>
+        <p:sp>
+          <p:nvSpPr>
+            <p:cNvPr id="16" name="TextBox 15">
+              <a:extLst>
+                <a:ext uri="{FF2B5EF4-FFF2-40B4-BE49-F238E27FC236}">
+                  <a16:creationId xmlns:a16="http://schemas.microsoft.com/office/drawing/2014/main" id="{52F2CDEB-49A2-7157-99C8-B59D118409D5}"/>
+                </a:ext>
+              </a:extLst>
+            </p:cNvPr>
+            <p:cNvSpPr txBox="1"/>
+            <p:nvPr/>
+          </p:nvSpPr>
+          <p:spPr>
+            <a:xfrm>
+              <a:off x="844951" y="2686623"/>
+              <a:ext cx="6377652" cy="1477328"/>
+            </a:xfrm>
+            <a:prstGeom prst="rect">
+              <a:avLst/>
+            </a:prstGeom>
+            <a:noFill/>
+          </p:spPr>
+          <p:txBody>
+            <a:bodyPr wrap="square">
+              <a:spAutoFit/>
+            </a:bodyPr>
+            <a:lstStyle/>
+            <a:p>
+              <a:r>
+                <a:rPr kumimoji="1" lang="en-US" altLang="zh-CN" dirty="0"/>
+                <a:t>integer</a:t>
+              </a:r>
+              <a:r>
+                <a:rPr kumimoji="1" lang="zh-CN" altLang="en-US" dirty="0"/>
+                <a:t> 整数</a:t>
+              </a:r>
+              <a:endParaRPr kumimoji="1" lang="en-US" altLang="zh-CN" dirty="0"/>
+            </a:p>
+            <a:p>
+              <a:r>
+                <a:rPr kumimoji="1" lang="zh-CN" altLang="en-US" dirty="0"/>
+                <a:t>商 </a:t>
+              </a:r>
+              <a:r>
+                <a:rPr kumimoji="1" lang="en-US" altLang="zh-CN" dirty="0"/>
+                <a:t> quotient</a:t>
+              </a:r>
+            </a:p>
+            <a:p>
+              <a:r>
+                <a:rPr kumimoji="1" lang="zh-CN" altLang="en-US" dirty="0"/>
+                <a:t>余数 </a:t>
+              </a:r>
+              <a:r>
+                <a:rPr kumimoji="1" lang="en-US" altLang="zh-CN" dirty="0"/>
+                <a:t> remainder</a:t>
+              </a:r>
+            </a:p>
+            <a:p>
+              <a:endParaRPr kumimoji="1" lang="en-US" altLang="zh-CN" dirty="0"/>
+            </a:p>
+            <a:p>
+              <a:endParaRPr kumimoji="1" lang="en-US" altLang="zh-CN" dirty="0"/>
+            </a:p>
+          </p:txBody>
+        </p:sp>
+      </p:grpSp>
+      <p:pic>
+        <p:nvPicPr>
+          <p:cNvPr id="5" name="Picture 4">
+            <a:extLst>
+              <a:ext uri="{FF2B5EF4-FFF2-40B4-BE49-F238E27FC236}">
+                <a16:creationId xmlns:a16="http://schemas.microsoft.com/office/drawing/2014/main" id="{6E193B6D-E458-25C9-058A-15C9AC78670C}"/>
+              </a:ext>
+            </a:extLst>
+          </p:cNvPr>
+          <p:cNvPicPr>
+            <a:picLocks noChangeAspect="1"/>
+          </p:cNvPicPr>
+          <p:nvPr/>
+        </p:nvPicPr>
+        <p:blipFill>
+          <a:blip r:embed="rId2"/>
+          <a:stretch>
+            <a:fillRect/>
+          </a:stretch>
+        </p:blipFill>
+        <p:spPr>
+          <a:xfrm>
+            <a:off x="902137" y="1796302"/>
+            <a:ext cx="6858000" cy="1104900"/>
+          </a:xfrm>
+          <a:prstGeom prst="rect">
+            <a:avLst/>
+          </a:prstGeom>
+        </p:spPr>
+      </p:pic>
+      <p:sp>
+        <p:nvSpPr>
+          <p:cNvPr id="11" name="Cloud Callout 10">
+            <a:extLst>
+              <a:ext uri="{FF2B5EF4-FFF2-40B4-BE49-F238E27FC236}">
+                <a16:creationId xmlns:a16="http://schemas.microsoft.com/office/drawing/2014/main" id="{4089014F-E9B3-2252-2CAD-5CFA1D0D7C9A}"/>
+              </a:ext>
+            </a:extLst>
+          </p:cNvPr>
+          <p:cNvSpPr/>
+          <p:nvPr/>
+        </p:nvSpPr>
+        <p:spPr>
+          <a:xfrm>
+            <a:off x="4025039" y="1175737"/>
+            <a:ext cx="1708786" cy="624454"/>
+          </a:xfrm>
+          <a:prstGeom prst="cloudCallout">
+            <a:avLst>
+              <a:gd name="adj1" fmla="val -69047"/>
+              <a:gd name="adj2" fmla="val 44021"/>
+            </a:avLst>
+          </a:prstGeom>
+          <a:noFill/>
+          <a:ln>
+            <a:solidFill>
+              <a:schemeClr val="tx1">
+                <a:alpha val="47000"/>
+              </a:schemeClr>
+            </a:solidFill>
+          </a:ln>
+        </p:spPr>
+        <p:style>
+          <a:lnRef idx="2">
+            <a:schemeClr val="accent1">
+              <a:shade val="50000"/>
+            </a:schemeClr>
+          </a:lnRef>
+          <a:fillRef idx="1">
+            <a:schemeClr val="accent1"/>
+          </a:fillRef>
+          <a:effectRef idx="0">
+            <a:schemeClr val="accent1"/>
+          </a:effectRef>
+          <a:fontRef idx="minor">
+            <a:schemeClr val="lt1"/>
+          </a:fontRef>
+        </p:style>
+        <p:txBody>
+          <a:bodyPr rtlCol="0" anchor="t"/>
+          <a:lstStyle/>
+          <a:p>
+            <a:r>
+              <a:rPr kumimoji="1" lang="zh-CN" altLang="en-US" sz="1050" dirty="0">
+                <a:solidFill>
+                  <a:schemeClr val="bg1">
+                    <a:lumMod val="65000"/>
+                  </a:schemeClr>
+                </a:solidFill>
+                <a:latin typeface="Times New Roman" panose="02020603050405020304" pitchFamily="18" charset="0"/>
+                <a:cs typeface="Times New Roman" panose="02020603050405020304" pitchFamily="18" charset="0"/>
+              </a:rPr>
+              <a:t>这个很像我们小学学的东西</a:t>
+            </a:r>
+          </a:p>
+        </p:txBody>
+      </p:sp>
+      <p:sp>
+        <p:nvSpPr>
+          <p:cNvPr id="17" name="Cloud Callout 16">
+            <a:extLst>
+              <a:ext uri="{FF2B5EF4-FFF2-40B4-BE49-F238E27FC236}">
+                <a16:creationId xmlns:a16="http://schemas.microsoft.com/office/drawing/2014/main" id="{D554A5CB-519F-F82F-04A2-CF6B2F141E6F}"/>
+              </a:ext>
+            </a:extLst>
+          </p:cNvPr>
+          <p:cNvSpPr/>
+          <p:nvPr/>
+        </p:nvSpPr>
+        <p:spPr>
+          <a:xfrm>
+            <a:off x="2975497" y="2901202"/>
+            <a:ext cx="1355464" cy="624454"/>
+          </a:xfrm>
+          <a:prstGeom prst="cloudCallout">
+            <a:avLst>
+              <a:gd name="adj1" fmla="val -13491"/>
+              <a:gd name="adj2" fmla="val -73125"/>
+            </a:avLst>
+          </a:prstGeom>
+          <a:noFill/>
+          <a:ln>
+            <a:solidFill>
+              <a:schemeClr val="tx1">
+                <a:alpha val="47000"/>
+              </a:schemeClr>
+            </a:solidFill>
+          </a:ln>
+        </p:spPr>
+        <p:style>
+          <a:lnRef idx="2">
+            <a:schemeClr val="accent1">
+              <a:shade val="50000"/>
+            </a:schemeClr>
+          </a:lnRef>
+          <a:fillRef idx="1">
+            <a:schemeClr val="accent1"/>
+          </a:fillRef>
+          <a:effectRef idx="0">
+            <a:schemeClr val="accent1"/>
+          </a:effectRef>
+          <a:fontRef idx="minor">
+            <a:schemeClr val="lt1"/>
+          </a:fontRef>
+        </p:style>
+        <p:txBody>
+          <a:bodyPr rtlCol="0" anchor="t"/>
+          <a:lstStyle/>
+          <a:p>
+            <a:r>
+              <a:rPr kumimoji="1" lang="zh-CN" altLang="en-US" sz="1050" dirty="0">
+                <a:solidFill>
+                  <a:schemeClr val="bg1">
+                    <a:lumMod val="65000"/>
+                  </a:schemeClr>
+                </a:solidFill>
+                <a:latin typeface="Times New Roman" panose="02020603050405020304" pitchFamily="18" charset="0"/>
+                <a:cs typeface="Times New Roman" panose="02020603050405020304" pitchFamily="18" charset="0"/>
+              </a:rPr>
+              <a:t>商 </a:t>
+            </a:r>
+            <a:r>
+              <a:rPr kumimoji="1" lang="en-US" altLang="zh-CN" sz="1050" dirty="0">
+                <a:solidFill>
+                  <a:schemeClr val="bg1">
+                    <a:lumMod val="65000"/>
+                  </a:schemeClr>
+                </a:solidFill>
+                <a:latin typeface="Times New Roman" panose="02020603050405020304" pitchFamily="18" charset="0"/>
+                <a:cs typeface="Times New Roman" panose="02020603050405020304" pitchFamily="18" charset="0"/>
+              </a:rPr>
+              <a:t>-</a:t>
+            </a:r>
+            <a:r>
+              <a:rPr kumimoji="1" lang="zh-CN" altLang="en-US" sz="1050" dirty="0">
+                <a:solidFill>
+                  <a:schemeClr val="bg1">
+                    <a:lumMod val="65000"/>
+                  </a:schemeClr>
+                </a:solidFill>
+                <a:latin typeface="Times New Roman" panose="02020603050405020304" pitchFamily="18" charset="0"/>
+                <a:cs typeface="Times New Roman" panose="02020603050405020304" pitchFamily="18" charset="0"/>
+              </a:rPr>
+              <a:t> </a:t>
+            </a:r>
+            <a:r>
+              <a:rPr kumimoji="1" lang="en-US" altLang="zh-CN" sz="1050" dirty="0">
+                <a:solidFill>
+                  <a:schemeClr val="bg1">
+                    <a:lumMod val="65000"/>
+                  </a:schemeClr>
+                </a:solidFill>
+                <a:latin typeface="Times New Roman" panose="02020603050405020304" pitchFamily="18" charset="0"/>
+                <a:cs typeface="Times New Roman" panose="02020603050405020304" pitchFamily="18" charset="0"/>
+              </a:rPr>
+              <a:t>quotient</a:t>
+            </a:r>
+          </a:p>
+        </p:txBody>
+      </p:sp>
+      <p:sp>
+        <p:nvSpPr>
+          <p:cNvPr id="18" name="Cloud Callout 17">
+            <a:extLst>
+              <a:ext uri="{FF2B5EF4-FFF2-40B4-BE49-F238E27FC236}">
+                <a16:creationId xmlns:a16="http://schemas.microsoft.com/office/drawing/2014/main" id="{4D11A340-730C-40C6-9CE6-3F42D4B9E496}"/>
+              </a:ext>
+            </a:extLst>
+          </p:cNvPr>
+          <p:cNvSpPr/>
+          <p:nvPr/>
+        </p:nvSpPr>
+        <p:spPr>
+          <a:xfrm>
+            <a:off x="4572000" y="2913679"/>
+            <a:ext cx="1355464" cy="624454"/>
+          </a:xfrm>
+          <a:prstGeom prst="cloudCallout">
+            <a:avLst>
+              <a:gd name="adj1" fmla="val -13491"/>
+              <a:gd name="adj2" fmla="val -73125"/>
+            </a:avLst>
+          </a:prstGeom>
+          <a:noFill/>
+          <a:ln>
+            <a:solidFill>
+              <a:schemeClr val="tx1">
+                <a:alpha val="47000"/>
+              </a:schemeClr>
+            </a:solidFill>
+          </a:ln>
+        </p:spPr>
+        <p:style>
+          <a:lnRef idx="2">
+            <a:schemeClr val="accent1">
+              <a:shade val="50000"/>
+            </a:schemeClr>
+          </a:lnRef>
+          <a:fillRef idx="1">
+            <a:schemeClr val="accent1"/>
+          </a:fillRef>
+          <a:effectRef idx="0">
+            <a:schemeClr val="accent1"/>
+          </a:effectRef>
+          <a:fontRef idx="minor">
+            <a:schemeClr val="lt1"/>
+          </a:fontRef>
+        </p:style>
+        <p:txBody>
+          <a:bodyPr rtlCol="0" anchor="t"/>
+          <a:lstStyle/>
+          <a:p>
+            <a:r>
+              <a:rPr kumimoji="1" lang="zh-CN" altLang="en-US" sz="1050" dirty="0">
+                <a:solidFill>
+                  <a:schemeClr val="bg1">
+                    <a:lumMod val="65000"/>
+                  </a:schemeClr>
+                </a:solidFill>
+                <a:latin typeface="Times New Roman" panose="02020603050405020304" pitchFamily="18" charset="0"/>
+                <a:cs typeface="Times New Roman" panose="02020603050405020304" pitchFamily="18" charset="0"/>
+              </a:rPr>
+              <a:t>余数 </a:t>
+            </a:r>
+            <a:r>
+              <a:rPr kumimoji="1" lang="en-US" altLang="zh-CN" sz="1050" dirty="0">
+                <a:solidFill>
+                  <a:schemeClr val="bg1">
+                    <a:lumMod val="65000"/>
+                  </a:schemeClr>
+                </a:solidFill>
+                <a:latin typeface="Times New Roman" panose="02020603050405020304" pitchFamily="18" charset="0"/>
+                <a:cs typeface="Times New Roman" panose="02020603050405020304" pitchFamily="18" charset="0"/>
+              </a:rPr>
+              <a:t>-</a:t>
+            </a:r>
+            <a:r>
+              <a:rPr kumimoji="1" lang="zh-CN" altLang="en-US" sz="1050" dirty="0">
+                <a:solidFill>
+                  <a:schemeClr val="bg1">
+                    <a:lumMod val="65000"/>
+                  </a:schemeClr>
+                </a:solidFill>
+                <a:latin typeface="Times New Roman" panose="02020603050405020304" pitchFamily="18" charset="0"/>
+                <a:cs typeface="Times New Roman" panose="02020603050405020304" pitchFamily="18" charset="0"/>
+              </a:rPr>
+              <a:t> </a:t>
+            </a:r>
+            <a:r>
+              <a:rPr kumimoji="1" lang="en-US" altLang="zh-CN" sz="1050" dirty="0">
+                <a:solidFill>
+                  <a:schemeClr val="bg1">
+                    <a:lumMod val="65000"/>
+                  </a:schemeClr>
+                </a:solidFill>
+                <a:latin typeface="Times New Roman" panose="02020603050405020304" pitchFamily="18" charset="0"/>
+                <a:cs typeface="Times New Roman" panose="02020603050405020304" pitchFamily="18" charset="0"/>
+              </a:rPr>
+              <a:t>remainder</a:t>
+            </a:r>
+          </a:p>
+        </p:txBody>
+      </p:sp>
+    </p:spTree>
+    <p:extLst>
+      <p:ext uri="{BB962C8B-B14F-4D97-AF65-F5344CB8AC3E}">
+        <p14:creationId xmlns:p14="http://schemas.microsoft.com/office/powerpoint/2010/main" val="4227130392"/>
+      </p:ext>
+    </p:extLst>
+  </p:cSld>
+  <p:clrMapOvr>
+    <a:masterClrMapping/>
+  </p:clrMapOvr>
+</p:sld>
+</file>
+
+<file path=ppt/slides/slide8.xml><?xml version="1.0" encoding="utf-8"?>
+<p:sld xmlns:a="http://schemas.openxmlformats.org/drawingml/2006/main" xmlns:r="http://schemas.openxmlformats.org/officeDocument/2006/relationships" xmlns:p="http://schemas.openxmlformats.org/presentationml/2006/main">
+  <p:cSld>
+    <p:spTree>
+      <p:nvGrpSpPr>
+        <p:cNvPr id="1" name=""/>
+        <p:cNvGrpSpPr/>
+        <p:nvPr/>
+      </p:nvGrpSpPr>
+      <p:grpSpPr>
+        <a:xfrm>
+          <a:off x="0" y="0"/>
+          <a:ext cx="0" cy="0"/>
+          <a:chOff x="0" y="0"/>
+          <a:chExt cx="0" cy="0"/>
+        </a:xfrm>
+      </p:grpSpPr>
+      <p:grpSp>
+        <p:nvGrpSpPr>
+          <p:cNvPr id="12" name="Group 11">
+            <a:extLst>
+              <a:ext uri="{FF2B5EF4-FFF2-40B4-BE49-F238E27FC236}">
+                <a16:creationId xmlns:a16="http://schemas.microsoft.com/office/drawing/2014/main" id="{71637ED2-5A3A-8B93-6B9C-E44A5552EF4C}"/>
+              </a:ext>
+            </a:extLst>
+          </p:cNvPr>
+          <p:cNvGrpSpPr/>
+          <p:nvPr/>
+        </p:nvGrpSpPr>
+        <p:grpSpPr>
+          <a:xfrm>
+            <a:off x="1056788" y="1409856"/>
+            <a:ext cx="7256684" cy="2844977"/>
+            <a:chOff x="1110577" y="1341399"/>
+            <a:chExt cx="2405518" cy="1010499"/>
+          </a:xfrm>
+        </p:grpSpPr>
+        <p:sp>
+          <p:nvSpPr>
+            <p:cNvPr id="25" name="Rounded Rectangle 24">
+              <a:extLst>
+                <a:ext uri="{FF2B5EF4-FFF2-40B4-BE49-F238E27FC236}">
+                  <a16:creationId xmlns:a16="http://schemas.microsoft.com/office/drawing/2014/main" id="{0843CEE3-4744-CCF1-BE9E-B962B1E28983}"/>
+                </a:ext>
+              </a:extLst>
+            </p:cNvPr>
+            <p:cNvSpPr/>
+            <p:nvPr/>
+          </p:nvSpPr>
+          <p:spPr>
+            <a:xfrm>
+              <a:off x="1110577" y="1450109"/>
+              <a:ext cx="2405518" cy="901789"/>
+            </a:xfrm>
+            <a:prstGeom prst="roundRect">
+              <a:avLst/>
+            </a:prstGeom>
+            <a:solidFill>
+              <a:schemeClr val="accent6">
+                <a:lumMod val="40000"/>
+                <a:lumOff val="60000"/>
+                <a:alpha val="22261"/>
+              </a:schemeClr>
+            </a:solidFill>
+            <a:ln>
+              <a:solidFill>
+                <a:schemeClr val="accent6"/>
+              </a:solidFill>
+            </a:ln>
+            <a:effectLst>
+              <a:outerShdw blurRad="50800" dist="38100" algn="l" rotWithShape="0">
+                <a:prstClr val="black">
+                  <a:alpha val="40000"/>
+                </a:prstClr>
+              </a:outerShdw>
+            </a:effectLst>
+          </p:spPr>
+          <p:style>
+            <a:lnRef idx="2">
+              <a:schemeClr val="accent1">
+                <a:shade val="50000"/>
+              </a:schemeClr>
+            </a:lnRef>
+            <a:fillRef idx="1">
+              <a:schemeClr val="accent1"/>
+            </a:fillRef>
+            <a:effectRef idx="0">
+              <a:schemeClr val="accent1"/>
+            </a:effectRef>
+            <a:fontRef idx="minor">
+              <a:schemeClr val="lt1"/>
+            </a:fontRef>
+          </p:style>
+          <p:txBody>
+            <a:bodyPr rtlCol="0" anchor="ctr"/>
+            <a:lstStyle/>
+            <a:p>
+              <a:pPr algn="ctr"/>
+              <a:endParaRPr kumimoji="1" lang="zh-CN" altLang="en-US"/>
+            </a:p>
+          </p:txBody>
+        </p:sp>
+        <p:sp>
+          <p:nvSpPr>
+            <p:cNvPr id="26" name="Rectangle 25">
+              <a:extLst>
+                <a:ext uri="{FF2B5EF4-FFF2-40B4-BE49-F238E27FC236}">
+                  <a16:creationId xmlns:a16="http://schemas.microsoft.com/office/drawing/2014/main" id="{200AC942-492D-EDF0-7708-764D9D115F02}"/>
+                </a:ext>
+              </a:extLst>
+            </p:cNvPr>
+            <p:cNvSpPr/>
+            <p:nvPr/>
+          </p:nvSpPr>
+          <p:spPr>
+            <a:xfrm>
+              <a:off x="1214491" y="1341399"/>
+              <a:ext cx="672644" cy="111923"/>
+            </a:xfrm>
+            <a:prstGeom prst="rect">
+              <a:avLst/>
+            </a:prstGeom>
+            <a:solidFill>
+              <a:schemeClr val="accent6">
+                <a:lumMod val="75000"/>
+              </a:schemeClr>
+            </a:solidFill>
+            <a:ln>
+              <a:noFill/>
+            </a:ln>
+          </p:spPr>
+          <p:style>
+            <a:lnRef idx="2">
+              <a:schemeClr val="accent1">
+                <a:shade val="50000"/>
+              </a:schemeClr>
+            </a:lnRef>
+            <a:fillRef idx="1">
+              <a:schemeClr val="accent1"/>
+            </a:fillRef>
+            <a:effectRef idx="0">
+              <a:schemeClr val="accent1"/>
+            </a:effectRef>
+            <a:fontRef idx="minor">
+              <a:schemeClr val="lt1"/>
+            </a:fontRef>
+          </p:style>
+          <p:txBody>
+            <a:bodyPr rtlCol="0" anchor="ctr"/>
+            <a:lstStyle/>
+            <a:p>
+              <a:r>
+                <a:rPr kumimoji="1" lang="en-US" altLang="zh-CN" dirty="0">
+                  <a:latin typeface="Consolas" panose="020B0609020204030204" pitchFamily="49" charset="0"/>
+                  <a:cs typeface="Consolas" panose="020B0609020204030204" pitchFamily="49" charset="0"/>
+                </a:rPr>
+                <a:t>water-</a:t>
+              </a:r>
+              <a:r>
+                <a:rPr kumimoji="1" lang="en-US" altLang="zh-CN" dirty="0" err="1">
+                  <a:latin typeface="Consolas" panose="020B0609020204030204" pitchFamily="49" charset="0"/>
+                  <a:cs typeface="Consolas" panose="020B0609020204030204" pitchFamily="49" charset="0"/>
+                </a:rPr>
+                <a:t>jug.py</a:t>
+              </a:r>
+              <a:endParaRPr kumimoji="1" lang="zh-CN" altLang="en-US" dirty="0">
+                <a:latin typeface="Consolas" panose="020B0609020204030204" pitchFamily="49" charset="0"/>
+                <a:cs typeface="Consolas" panose="020B0609020204030204" pitchFamily="49" charset="0"/>
+              </a:endParaRPr>
+            </a:p>
+          </p:txBody>
+        </p:sp>
+      </p:grpSp>
+      <p:sp>
+        <p:nvSpPr>
+          <p:cNvPr id="2" name="Slide Number Placeholder 1">
+            <a:extLst>
+              <a:ext uri="{FF2B5EF4-FFF2-40B4-BE49-F238E27FC236}">
+                <a16:creationId xmlns:a16="http://schemas.microsoft.com/office/drawing/2014/main" id="{63ADFD68-F324-D003-8B44-08CB016BABD6}"/>
+              </a:ext>
+            </a:extLst>
+          </p:cNvPr>
+          <p:cNvSpPr>
+            <a:spLocks noGrp="1"/>
+          </p:cNvSpPr>
+          <p:nvPr>
+            <p:ph type="sldNum" sz="quarter" idx="12"/>
+          </p:nvPr>
+        </p:nvSpPr>
+        <p:spPr/>
+        <p:txBody>
+          <a:bodyPr/>
+          <a:lstStyle/>
+          <a:p>
+            <a:fld id="{7A304655-5D53-B746-8252-3F5A598C52D3}" type="slidenum">
+              <a:rPr lang="en-CN" smtClean="0"/>
+              <a:pPr/>
+              <a:t>8</a:t>
+            </a:fld>
+            <a:endParaRPr lang="en-CN"/>
+          </a:p>
+        </p:txBody>
+      </p:sp>
+      <p:sp>
+        <p:nvSpPr>
+          <p:cNvPr id="3" name="Title 2">
+            <a:extLst>
+              <a:ext uri="{FF2B5EF4-FFF2-40B4-BE49-F238E27FC236}">
+                <a16:creationId xmlns:a16="http://schemas.microsoft.com/office/drawing/2014/main" id="{DA2CE602-A2AA-AEE4-5A57-589636875374}"/>
+              </a:ext>
+            </a:extLst>
+          </p:cNvPr>
+          <p:cNvSpPr>
+            <a:spLocks noGrp="1"/>
+          </p:cNvSpPr>
+          <p:nvPr>
+            <p:ph type="title"/>
+          </p:nvPr>
+        </p:nvSpPr>
+        <p:spPr/>
+        <p:txBody>
+          <a:bodyPr/>
+          <a:lstStyle/>
+          <a:p>
+            <a:r>
+              <a:rPr kumimoji="1" lang="zh-CN" altLang="en-US" dirty="0"/>
+              <a:t>一</a:t>
+            </a:r>
+            <a:r>
+              <a:rPr kumimoji="1" lang="en-US" altLang="zh-CN" dirty="0"/>
+              <a:t>.</a:t>
+            </a:r>
+            <a:r>
+              <a:rPr kumimoji="1" lang="zh-CN" altLang="en-US" dirty="0"/>
+              <a:t> 整除</a:t>
+            </a:r>
+          </a:p>
+        </p:txBody>
+      </p:sp>
+      <p:sp>
+        <p:nvSpPr>
+          <p:cNvPr id="6" name="TextBox 5">
+            <a:extLst>
+              <a:ext uri="{FF2B5EF4-FFF2-40B4-BE49-F238E27FC236}">
+                <a16:creationId xmlns:a16="http://schemas.microsoft.com/office/drawing/2014/main" id="{3793D923-C2BF-5C63-46FD-49BE86C4B907}"/>
+              </a:ext>
+            </a:extLst>
+          </p:cNvPr>
+          <p:cNvSpPr txBox="1"/>
+          <p:nvPr/>
+        </p:nvSpPr>
+        <p:spPr>
+          <a:xfrm>
+            <a:off x="776739" y="1040524"/>
+            <a:ext cx="3125599" cy="369332"/>
+          </a:xfrm>
+          <a:prstGeom prst="rect">
+            <a:avLst/>
+          </a:prstGeom>
+          <a:noFill/>
+        </p:spPr>
+        <p:txBody>
+          <a:bodyPr wrap="none" rtlCol="0">
+            <a:spAutoFit/>
+          </a:bodyPr>
+          <a:lstStyle/>
+          <a:p>
+            <a:r>
+              <a:rPr kumimoji="1" lang="zh-CN" altLang="en-US" dirty="0"/>
+              <a:t>一个游戏</a:t>
+            </a:r>
+            <a:r>
+              <a:rPr kumimoji="1" lang="en-US" altLang="zh-CN" dirty="0"/>
+              <a:t>:</a:t>
+            </a:r>
+            <a:r>
+              <a:rPr kumimoji="1" lang="zh-CN" altLang="en-US" dirty="0"/>
+              <a:t> </a:t>
+            </a:r>
+            <a:r>
+              <a:rPr kumimoji="1" lang="en-US" altLang="zh-CN" dirty="0"/>
+              <a:t>Water-jug</a:t>
+            </a:r>
+            <a:r>
+              <a:rPr kumimoji="1" lang="zh-CN" altLang="en-US" dirty="0"/>
+              <a:t> </a:t>
+            </a:r>
+            <a:r>
+              <a:rPr kumimoji="1" lang="en-US" altLang="zh-CN" dirty="0"/>
+              <a:t>problem</a:t>
+            </a:r>
+            <a:endParaRPr kumimoji="1" lang="zh-CN" altLang="en-US" dirty="0"/>
+          </a:p>
+        </p:txBody>
+      </p:sp>
+      <p:grpSp>
+        <p:nvGrpSpPr>
+          <p:cNvPr id="27" name="Group 26">
+            <a:extLst>
+              <a:ext uri="{FF2B5EF4-FFF2-40B4-BE49-F238E27FC236}">
+                <a16:creationId xmlns:a16="http://schemas.microsoft.com/office/drawing/2014/main" id="{00896EBA-DEF3-94F1-D44A-3460CBA6F861}"/>
+              </a:ext>
+            </a:extLst>
+          </p:cNvPr>
+          <p:cNvGrpSpPr/>
+          <p:nvPr/>
+        </p:nvGrpSpPr>
+        <p:grpSpPr>
+          <a:xfrm>
+            <a:off x="1763395" y="1847386"/>
+            <a:ext cx="826770" cy="2011841"/>
+            <a:chOff x="2228402" y="1601825"/>
+            <a:chExt cx="826770" cy="2011841"/>
+          </a:xfrm>
+        </p:grpSpPr>
+        <p:pic>
+          <p:nvPicPr>
+            <p:cNvPr id="4" name="Picture 3">
+              <a:extLst>
+                <a:ext uri="{FF2B5EF4-FFF2-40B4-BE49-F238E27FC236}">
+                  <a16:creationId xmlns:a16="http://schemas.microsoft.com/office/drawing/2014/main" id="{A3172568-D9AB-511B-5D3E-FFEFB69BD56A}"/>
+                </a:ext>
+              </a:extLst>
+            </p:cNvPr>
+            <p:cNvPicPr>
+              <a:picLocks noChangeAspect="1"/>
+            </p:cNvPicPr>
+            <p:nvPr/>
+          </p:nvPicPr>
+          <p:blipFill>
+            <a:blip r:embed="rId2">
+              <a:extLst>
+                <a:ext uri="{BEBA8EAE-BF5A-486C-A8C5-ECC9F3942E4B}">
+                  <a14:imgProps xmlns:a14="http://schemas.microsoft.com/office/drawing/2010/main">
+                    <a14:imgLayer r:embed="rId3">
+                      <a14:imgEffect>
+                        <a14:backgroundRemoval t="10000" b="92063" l="9748" r="89937">
+                          <a14:foregroundMark x1="47799" y1="17460" x2="33962" y2="52857"/>
+                          <a14:foregroundMark x1="33962" y1="52857" x2="33962" y2="53333"/>
+                          <a14:foregroundMark x1="28302" y1="90952" x2="58491" y2="92063"/>
+                        </a14:backgroundRemoval>
+                      </a14:imgEffect>
+                    </a14:imgLayer>
+                  </a14:imgProps>
+                </a:ext>
+              </a:extLst>
+            </a:blip>
+            <a:stretch>
+              <a:fillRect/>
+            </a:stretch>
+          </p:blipFill>
+          <p:spPr>
+            <a:xfrm>
+              <a:off x="2228402" y="1601825"/>
+              <a:ext cx="826770" cy="1637941"/>
+            </a:xfrm>
+            <a:prstGeom prst="rect">
+              <a:avLst/>
+            </a:prstGeom>
+          </p:spPr>
+        </p:pic>
+        <p:sp>
+          <p:nvSpPr>
+            <p:cNvPr id="7" name="TextBox 6">
+              <a:extLst>
+                <a:ext uri="{FF2B5EF4-FFF2-40B4-BE49-F238E27FC236}">
+                  <a16:creationId xmlns:a16="http://schemas.microsoft.com/office/drawing/2014/main" id="{AE3D898C-8127-FD47-663F-2AA75FB91BDB}"/>
+                </a:ext>
+              </a:extLst>
+            </p:cNvPr>
+            <p:cNvSpPr txBox="1"/>
+            <p:nvPr/>
+          </p:nvSpPr>
+          <p:spPr>
+            <a:xfrm>
+              <a:off x="2421214" y="3244334"/>
+              <a:ext cx="441146" cy="369332"/>
+            </a:xfrm>
+            <a:prstGeom prst="rect">
+              <a:avLst/>
+            </a:prstGeom>
+            <a:noFill/>
+          </p:spPr>
+          <p:txBody>
+            <a:bodyPr wrap="none" rtlCol="0">
+              <a:spAutoFit/>
+            </a:bodyPr>
+            <a:lstStyle/>
+            <a:p>
+              <a:r>
+                <a:rPr kumimoji="1" lang="en-US" altLang="zh-CN" dirty="0"/>
+                <a:t>3L</a:t>
+              </a:r>
+              <a:endParaRPr kumimoji="1" lang="zh-CN" altLang="en-US" dirty="0"/>
+            </a:p>
+          </p:txBody>
+        </p:sp>
+      </p:grpSp>
+      <p:grpSp>
+        <p:nvGrpSpPr>
+          <p:cNvPr id="28" name="Group 27">
+            <a:extLst>
+              <a:ext uri="{FF2B5EF4-FFF2-40B4-BE49-F238E27FC236}">
+                <a16:creationId xmlns:a16="http://schemas.microsoft.com/office/drawing/2014/main" id="{BBE01490-53D5-14CE-59E7-B3AC6F117761}"/>
+              </a:ext>
+            </a:extLst>
+          </p:cNvPr>
+          <p:cNvGrpSpPr/>
+          <p:nvPr/>
+        </p:nvGrpSpPr>
+        <p:grpSpPr>
+          <a:xfrm>
+            <a:off x="3075568" y="1831717"/>
+            <a:ext cx="826770" cy="2027510"/>
+            <a:chOff x="4069752" y="1586156"/>
+            <a:chExt cx="826770" cy="2027510"/>
+          </a:xfrm>
+        </p:grpSpPr>
+        <p:pic>
+          <p:nvPicPr>
+            <p:cNvPr id="19" name="Picture 18">
+              <a:extLst>
+                <a:ext uri="{FF2B5EF4-FFF2-40B4-BE49-F238E27FC236}">
+                  <a16:creationId xmlns:a16="http://schemas.microsoft.com/office/drawing/2014/main" id="{E4949C0F-1DA8-DEEC-E753-E41B29505179}"/>
+                </a:ext>
+              </a:extLst>
+            </p:cNvPr>
+            <p:cNvPicPr>
+              <a:picLocks noChangeAspect="1"/>
+            </p:cNvPicPr>
+            <p:nvPr/>
+          </p:nvPicPr>
+          <p:blipFill>
+            <a:blip r:embed="rId2">
+              <a:extLst>
+                <a:ext uri="{BEBA8EAE-BF5A-486C-A8C5-ECC9F3942E4B}">
+                  <a14:imgProps xmlns:a14="http://schemas.microsoft.com/office/drawing/2010/main">
+                    <a14:imgLayer r:embed="rId4">
+                      <a14:imgEffect>
+                        <a14:backgroundRemoval t="10000" b="92063" l="9748" r="89937">
+                          <a14:foregroundMark x1="47799" y1="17460" x2="33962" y2="52857"/>
+                          <a14:foregroundMark x1="33962" y1="52857" x2="33962" y2="53333"/>
+                          <a14:foregroundMark x1="28302" y1="90952" x2="58491" y2="92063"/>
+                        </a14:backgroundRemoval>
+                      </a14:imgEffect>
+                    </a14:imgLayer>
+                  </a14:imgProps>
+                </a:ext>
+              </a:extLst>
+            </a:blip>
+            <a:stretch>
+              <a:fillRect/>
+            </a:stretch>
+          </p:blipFill>
+          <p:spPr>
+            <a:xfrm>
+              <a:off x="4069752" y="1586156"/>
+              <a:ext cx="826770" cy="1637941"/>
+            </a:xfrm>
+            <a:prstGeom prst="rect">
+              <a:avLst/>
+            </a:prstGeom>
+          </p:spPr>
+        </p:pic>
+        <p:sp>
+          <p:nvSpPr>
+            <p:cNvPr id="20" name="TextBox 19">
+              <a:extLst>
+                <a:ext uri="{FF2B5EF4-FFF2-40B4-BE49-F238E27FC236}">
+                  <a16:creationId xmlns:a16="http://schemas.microsoft.com/office/drawing/2014/main" id="{FB52FB2E-6ECC-6D4F-3C81-BAA2E317E123}"/>
+                </a:ext>
+              </a:extLst>
+            </p:cNvPr>
+            <p:cNvSpPr txBox="1"/>
+            <p:nvPr/>
+          </p:nvSpPr>
+          <p:spPr>
+            <a:xfrm>
+              <a:off x="4262564" y="3244334"/>
+              <a:ext cx="441146" cy="369332"/>
+            </a:xfrm>
+            <a:prstGeom prst="rect">
+              <a:avLst/>
+            </a:prstGeom>
+            <a:noFill/>
+          </p:spPr>
+          <p:txBody>
+            <a:bodyPr wrap="none" rtlCol="0">
+              <a:spAutoFit/>
+            </a:bodyPr>
+            <a:lstStyle/>
+            <a:p>
+              <a:r>
+                <a:rPr kumimoji="1" lang="en-US" altLang="zh-CN" dirty="0"/>
+                <a:t>5L</a:t>
+              </a:r>
+              <a:endParaRPr kumimoji="1" lang="zh-CN" altLang="en-US" dirty="0"/>
+            </a:p>
+          </p:txBody>
+        </p:sp>
+      </p:grpSp>
+      <p:sp>
+        <p:nvSpPr>
+          <p:cNvPr id="8" name="TextBox 7">
+            <a:extLst>
+              <a:ext uri="{FF2B5EF4-FFF2-40B4-BE49-F238E27FC236}">
+                <a16:creationId xmlns:a16="http://schemas.microsoft.com/office/drawing/2014/main" id="{633AF896-8EAC-2A4B-D393-2DB1FC0EC1F7}"/>
+              </a:ext>
+            </a:extLst>
+          </p:cNvPr>
+          <p:cNvSpPr txBox="1"/>
+          <p:nvPr/>
+        </p:nvSpPr>
+        <p:spPr>
+          <a:xfrm>
+            <a:off x="4811586" y="2097903"/>
+            <a:ext cx="2839239" cy="1477328"/>
+          </a:xfrm>
+          <a:prstGeom prst="rect">
+            <a:avLst/>
+          </a:prstGeom>
+          <a:noFill/>
+        </p:spPr>
+        <p:txBody>
+          <a:bodyPr wrap="none" rtlCol="0">
+            <a:spAutoFit/>
+          </a:bodyPr>
+          <a:lstStyle/>
+          <a:p>
+            <a:r>
+              <a:rPr kumimoji="1" lang="zh-CN" altLang="en-US" dirty="0"/>
+              <a:t>合法操作</a:t>
+            </a:r>
+            <a:r>
+              <a:rPr kumimoji="1" lang="en-US" altLang="zh-CN" dirty="0"/>
+              <a:t>:</a:t>
+            </a:r>
+            <a:r>
+              <a:rPr kumimoji="1" lang="zh-CN" altLang="en-US" dirty="0"/>
+              <a:t> </a:t>
+            </a:r>
+            <a:endParaRPr kumimoji="1" lang="en-US" altLang="zh-CN" dirty="0"/>
+          </a:p>
+          <a:p>
+            <a:pPr marL="342900" indent="-342900">
+              <a:buAutoNum type="arabicParenBoth"/>
+            </a:pPr>
+            <a:r>
+              <a:rPr kumimoji="1" lang="zh-CN" altLang="en-US" dirty="0"/>
+              <a:t>把一个水杯装满</a:t>
+            </a:r>
+            <a:endParaRPr kumimoji="1" lang="en-US" altLang="zh-CN" dirty="0"/>
+          </a:p>
+          <a:p>
+            <a:pPr marL="342900" indent="-342900">
+              <a:buAutoNum type="arabicParenBoth"/>
+            </a:pPr>
+            <a:r>
+              <a:rPr kumimoji="1" lang="zh-CN" altLang="en-US" dirty="0"/>
+              <a:t>把一个水杯倒入另一个</a:t>
+            </a:r>
+            <a:endParaRPr kumimoji="1" lang="en-US" altLang="zh-CN" dirty="0"/>
+          </a:p>
+          <a:p>
+            <a:r>
+              <a:rPr kumimoji="1" lang="zh-CN" altLang="en-US" dirty="0"/>
+              <a:t>最后</a:t>
+            </a:r>
+            <a:r>
+              <a:rPr kumimoji="1" lang="en-US" altLang="zh-CN" dirty="0"/>
+              <a:t>:</a:t>
+            </a:r>
+            <a:r>
+              <a:rPr kumimoji="1" lang="zh-CN" altLang="en-US" dirty="0"/>
+              <a:t> </a:t>
+            </a:r>
+            <a:endParaRPr kumimoji="1" lang="en-US" altLang="zh-CN" dirty="0"/>
+          </a:p>
+          <a:p>
+            <a:r>
+              <a:rPr kumimoji="1" lang="en-US" altLang="zh-CN" dirty="0"/>
+              <a:t>	</a:t>
+            </a:r>
+            <a:r>
+              <a:rPr kumimoji="1" lang="zh-CN" altLang="en-US" dirty="0"/>
+              <a:t>得到某个数字的升数</a:t>
+            </a:r>
+          </a:p>
+        </p:txBody>
+      </p:sp>
+      <p:grpSp>
+        <p:nvGrpSpPr>
+          <p:cNvPr id="21" name="Group 20">
+            <a:extLst>
+              <a:ext uri="{FF2B5EF4-FFF2-40B4-BE49-F238E27FC236}">
+                <a16:creationId xmlns:a16="http://schemas.microsoft.com/office/drawing/2014/main" id="{7F03A37B-4536-8D14-B217-24F621914B87}"/>
+              </a:ext>
+            </a:extLst>
+          </p:cNvPr>
+          <p:cNvGrpSpPr/>
+          <p:nvPr/>
+        </p:nvGrpSpPr>
+        <p:grpSpPr>
+          <a:xfrm>
+            <a:off x="6257921" y="215894"/>
+            <a:ext cx="2405518" cy="1010499"/>
+            <a:chOff x="628652" y="2280213"/>
+            <a:chExt cx="5543020" cy="1010499"/>
+          </a:xfrm>
+        </p:grpSpPr>
+        <p:sp>
+          <p:nvSpPr>
+            <p:cNvPr id="22" name="Rounded Rectangle 21">
+              <a:extLst>
+                <a:ext uri="{FF2B5EF4-FFF2-40B4-BE49-F238E27FC236}">
+                  <a16:creationId xmlns:a16="http://schemas.microsoft.com/office/drawing/2014/main" id="{51DAC8A8-D081-8880-BCEE-22AF33C57917}"/>
+                </a:ext>
+              </a:extLst>
+            </p:cNvPr>
+            <p:cNvSpPr/>
+            <p:nvPr/>
+          </p:nvSpPr>
+          <p:spPr>
+            <a:xfrm>
+              <a:off x="628652" y="2592729"/>
+              <a:ext cx="5543020" cy="697983"/>
+            </a:xfrm>
+            <a:prstGeom prst="roundRect">
+              <a:avLst/>
+            </a:prstGeom>
+            <a:solidFill>
+              <a:schemeClr val="accent1">
+                <a:alpha val="22261"/>
+              </a:schemeClr>
+            </a:solidFill>
+            <a:ln>
+              <a:solidFill>
+                <a:schemeClr val="accent1">
+                  <a:shade val="50000"/>
+                </a:schemeClr>
+              </a:solidFill>
+            </a:ln>
+            <a:effectLst>
+              <a:outerShdw blurRad="50800" dist="38100" algn="l" rotWithShape="0">
+                <a:prstClr val="black">
+                  <a:alpha val="40000"/>
+                </a:prstClr>
+              </a:outerShdw>
+            </a:effectLst>
+          </p:spPr>
+          <p:style>
+            <a:lnRef idx="2">
+              <a:schemeClr val="accent1">
+                <a:shade val="50000"/>
+              </a:schemeClr>
+            </a:lnRef>
+            <a:fillRef idx="1">
+              <a:schemeClr val="accent1"/>
+            </a:fillRef>
+            <a:effectRef idx="0">
+              <a:schemeClr val="accent1"/>
+            </a:effectRef>
+            <a:fontRef idx="minor">
+              <a:schemeClr val="lt1"/>
+            </a:fontRef>
+          </p:style>
+          <p:txBody>
+            <a:bodyPr rtlCol="0" anchor="ctr"/>
+            <a:lstStyle/>
+            <a:p>
+              <a:pPr algn="ctr"/>
+              <a:endParaRPr kumimoji="1" lang="zh-CN" altLang="en-US"/>
+            </a:p>
+          </p:txBody>
+        </p:sp>
+        <p:sp>
+          <p:nvSpPr>
+            <p:cNvPr id="23" name="Rectangle 22">
+              <a:extLst>
+                <a:ext uri="{FF2B5EF4-FFF2-40B4-BE49-F238E27FC236}">
+                  <a16:creationId xmlns:a16="http://schemas.microsoft.com/office/drawing/2014/main" id="{3DA9AD64-DFFB-C363-D7C5-C470158172D0}"/>
+                </a:ext>
+              </a:extLst>
+            </p:cNvPr>
+            <p:cNvSpPr/>
+            <p:nvPr/>
+          </p:nvSpPr>
+          <p:spPr>
+            <a:xfrm>
+              <a:off x="868101" y="2280213"/>
+              <a:ext cx="2407528" cy="312516"/>
+            </a:xfrm>
+            <a:prstGeom prst="rect">
+              <a:avLst/>
+            </a:prstGeom>
+          </p:spPr>
+          <p:style>
+            <a:lnRef idx="2">
+              <a:schemeClr val="accent1">
+                <a:shade val="50000"/>
+              </a:schemeClr>
+            </a:lnRef>
+            <a:fillRef idx="1">
+              <a:schemeClr val="accent1"/>
+            </a:fillRef>
+            <a:effectRef idx="0">
+              <a:schemeClr val="accent1"/>
+            </a:effectRef>
+            <a:fontRef idx="minor">
+              <a:schemeClr val="lt1"/>
+            </a:fontRef>
+          </p:style>
+          <p:txBody>
+            <a:bodyPr rtlCol="0" anchor="ctr"/>
+            <a:lstStyle/>
+            <a:p>
+              <a:pPr algn="ctr"/>
+              <a:r>
+                <a:rPr kumimoji="1" lang="en-US" altLang="zh-CN" dirty="0"/>
+                <a:t>Word</a:t>
+              </a:r>
+              <a:endParaRPr kumimoji="1" lang="zh-CN" altLang="en-US" dirty="0"/>
+            </a:p>
+          </p:txBody>
+        </p:sp>
+        <p:sp>
+          <p:nvSpPr>
+            <p:cNvPr id="24" name="TextBox 23">
+              <a:extLst>
+                <a:ext uri="{FF2B5EF4-FFF2-40B4-BE49-F238E27FC236}">
+                  <a16:creationId xmlns:a16="http://schemas.microsoft.com/office/drawing/2014/main" id="{B8331153-C450-D99E-AD8D-E89CF324EDFD}"/>
+                </a:ext>
+              </a:extLst>
+            </p:cNvPr>
+            <p:cNvSpPr txBox="1"/>
+            <p:nvPr/>
+          </p:nvSpPr>
+          <p:spPr>
+            <a:xfrm>
+              <a:off x="844954" y="2761005"/>
+              <a:ext cx="5270298" cy="369332"/>
+            </a:xfrm>
+            <a:prstGeom prst="rect">
+              <a:avLst/>
+            </a:prstGeom>
+            <a:noFill/>
+          </p:spPr>
+          <p:txBody>
+            <a:bodyPr wrap="square">
+              <a:spAutoFit/>
+            </a:bodyPr>
+            <a:lstStyle/>
+            <a:p>
+              <a:r>
+                <a:rPr kumimoji="1" lang="en-CN" altLang="zh-CN" dirty="0"/>
+                <a:t>jug</a:t>
+              </a:r>
+              <a:r>
+                <a:rPr kumimoji="1" lang="zh-CN" altLang="en-US" dirty="0"/>
+                <a:t> 杯子</a:t>
+              </a:r>
+            </a:p>
+          </p:txBody>
+        </p:sp>
+      </p:grpSp>
+      <p:pic>
+        <p:nvPicPr>
+          <p:cNvPr id="10" name="Picture 9">
+            <a:extLst>
+              <a:ext uri="{FF2B5EF4-FFF2-40B4-BE49-F238E27FC236}">
+                <a16:creationId xmlns:a16="http://schemas.microsoft.com/office/drawing/2014/main" id="{385F2B17-D069-A535-BC02-396E6E068FCB}"/>
+              </a:ext>
+            </a:extLst>
+          </p:cNvPr>
+          <p:cNvPicPr>
+            <a:picLocks noChangeAspect="1"/>
+          </p:cNvPicPr>
+          <p:nvPr/>
+        </p:nvPicPr>
+        <p:blipFill>
+          <a:blip r:embed="rId5"/>
+          <a:stretch>
+            <a:fillRect/>
+          </a:stretch>
+        </p:blipFill>
+        <p:spPr>
+          <a:xfrm>
+            <a:off x="1281530" y="4569943"/>
+            <a:ext cx="6807200" cy="889000"/>
+          </a:xfrm>
+          <a:prstGeom prst="rect">
+            <a:avLst/>
+          </a:prstGeom>
+        </p:spPr>
+      </p:pic>
+      <p:cxnSp>
+        <p:nvCxnSpPr>
+          <p:cNvPr id="30" name="Straight Connector 29">
+            <a:extLst>
+              <a:ext uri="{FF2B5EF4-FFF2-40B4-BE49-F238E27FC236}">
+                <a16:creationId xmlns:a16="http://schemas.microsoft.com/office/drawing/2014/main" id="{717BE1E8-6225-FAC5-2D1F-CD0804AE5DFF}"/>
+              </a:ext>
+            </a:extLst>
+          </p:cNvPr>
+          <p:cNvCxnSpPr/>
+          <p:nvPr/>
+        </p:nvCxnSpPr>
+        <p:spPr>
+          <a:xfrm>
+            <a:off x="5572461" y="5056094"/>
+            <a:ext cx="2398955" cy="0"/>
+          </a:xfrm>
+          <a:prstGeom prst="line">
+            <a:avLst/>
+          </a:prstGeom>
+          <a:ln w="25400">
+            <a:solidFill>
+              <a:schemeClr val="accent1"/>
+            </a:solidFill>
+          </a:ln>
+        </p:spPr>
+        <p:style>
+          <a:lnRef idx="1">
+            <a:schemeClr val="accent1"/>
+          </a:lnRef>
+          <a:fillRef idx="0">
+            <a:schemeClr val="accent1"/>
+          </a:fillRef>
+          <a:effectRef idx="0">
+            <a:schemeClr val="accent1"/>
+          </a:effectRef>
+          <a:fontRef idx="minor">
+            <a:schemeClr val="tx1"/>
+          </a:fontRef>
+        </p:style>
+      </p:cxnSp>
+      <p:sp>
+        <p:nvSpPr>
+          <p:cNvPr id="31" name="TextBox 30">
+            <a:extLst>
+              <a:ext uri="{FF2B5EF4-FFF2-40B4-BE49-F238E27FC236}">
+                <a16:creationId xmlns:a16="http://schemas.microsoft.com/office/drawing/2014/main" id="{1318593B-1C19-26EE-FF55-613E06720BC0}"/>
+              </a:ext>
+            </a:extLst>
+          </p:cNvPr>
+          <p:cNvSpPr txBox="1"/>
+          <p:nvPr/>
+        </p:nvSpPr>
+        <p:spPr>
+          <a:xfrm>
+            <a:off x="1430767" y="5637007"/>
+            <a:ext cx="2390398" cy="369332"/>
+          </a:xfrm>
+          <a:prstGeom prst="rect">
+            <a:avLst/>
+          </a:prstGeom>
+          <a:noFill/>
+        </p:spPr>
+        <p:txBody>
+          <a:bodyPr wrap="none" rtlCol="0">
+            <a:spAutoFit/>
+          </a:bodyPr>
+          <a:lstStyle/>
+          <a:p>
+            <a:r>
+              <a:rPr kumimoji="1" lang="zh-CN" altLang="en-US" dirty="0"/>
+              <a:t>可以使用归纳法证明</a:t>
+            </a:r>
+            <a:r>
+              <a:rPr kumimoji="1" lang="en-US" altLang="zh-CN" dirty="0"/>
+              <a:t>.</a:t>
+            </a:r>
+            <a:r>
+              <a:rPr kumimoji="1" lang="zh-CN" altLang="en-US" dirty="0"/>
+              <a:t> </a:t>
+            </a:r>
+          </a:p>
+        </p:txBody>
+      </p:sp>
+    </p:spTree>
+    <p:extLst>
+      <p:ext uri="{BB962C8B-B14F-4D97-AF65-F5344CB8AC3E}">
+        <p14:creationId xmlns:p14="http://schemas.microsoft.com/office/powerpoint/2010/main" val="283685145"/>
+      </p:ext>
+    </p:extLst>
+  </p:cSld>
+  <p:clrMapOvr>
+    <a:masterClrMapping/>
+  </p:clrMapOvr>
+</p:sld>
+</file>
+
+<file path=ppt/slides/slide9.xml><?xml version="1.0" encoding="utf-8"?>
+<p:sld xmlns:a="http://schemas.openxmlformats.org/drawingml/2006/main" xmlns:r="http://schemas.openxmlformats.org/officeDocument/2006/relationships" xmlns:p="http://schemas.openxmlformats.org/presentationml/2006/main">
+  <p:cSld>
+    <p:spTree>
+      <p:nvGrpSpPr>
+        <p:cNvPr id="1" name=""/>
+        <p:cNvGrpSpPr/>
+        <p:nvPr/>
+      </p:nvGrpSpPr>
+      <p:grpSpPr>
+        <a:xfrm>
+          <a:off x="0" y="0"/>
+          <a:ext cx="0" cy="0"/>
+          <a:chOff x="0" y="0"/>
+          <a:chExt cx="0" cy="0"/>
+        </a:xfrm>
+      </p:grpSpPr>
+      <p:sp>
+        <p:nvSpPr>
+          <p:cNvPr id="2" name="Slide Number Placeholder 1">
+            <a:extLst>
+              <a:ext uri="{FF2B5EF4-FFF2-40B4-BE49-F238E27FC236}">
+                <a16:creationId xmlns:a16="http://schemas.microsoft.com/office/drawing/2014/main" id="{63ADFD68-F324-D003-8B44-08CB016BABD6}"/>
+              </a:ext>
+            </a:extLst>
+          </p:cNvPr>
+          <p:cNvSpPr>
+            <a:spLocks noGrp="1"/>
+          </p:cNvSpPr>
+          <p:nvPr>
+            <p:ph type="sldNum" sz="quarter" idx="12"/>
+          </p:nvPr>
+        </p:nvSpPr>
+        <p:spPr/>
+        <p:txBody>
+          <a:bodyPr/>
+          <a:lstStyle/>
+          <a:p>
+            <a:fld id="{7A304655-5D53-B746-8252-3F5A598C52D3}" type="slidenum">
+              <a:rPr lang="en-CN" smtClean="0"/>
+              <a:pPr/>
+              <a:t>9</a:t>
+            </a:fld>
+            <a:endParaRPr lang="en-CN"/>
+          </a:p>
+        </p:txBody>
+      </p:sp>
+      <p:sp>
+        <p:nvSpPr>
+          <p:cNvPr id="3" name="Title 2">
+            <a:extLst>
+              <a:ext uri="{FF2B5EF4-FFF2-40B4-BE49-F238E27FC236}">
+                <a16:creationId xmlns:a16="http://schemas.microsoft.com/office/drawing/2014/main" id="{DA2CE602-A2AA-AEE4-5A57-589636875374}"/>
+              </a:ext>
+            </a:extLst>
+          </p:cNvPr>
+          <p:cNvSpPr>
+            <a:spLocks noGrp="1"/>
+          </p:cNvSpPr>
+          <p:nvPr>
+            <p:ph type="title"/>
+          </p:nvPr>
+        </p:nvSpPr>
+        <p:spPr/>
+        <p:txBody>
+          <a:bodyPr/>
+          <a:lstStyle/>
+          <a:p>
+            <a:r>
+              <a:rPr kumimoji="1" lang="zh-CN" altLang="en-US" dirty="0"/>
+              <a:t>二</a:t>
+            </a:r>
+            <a:r>
+              <a:rPr kumimoji="1" lang="en-US" altLang="zh-CN" dirty="0"/>
+              <a:t>.</a:t>
+            </a:r>
+            <a:r>
+              <a:rPr kumimoji="1" lang="zh-CN" altLang="en-US" dirty="0"/>
+              <a:t> 最大公约数</a:t>
+            </a:r>
+          </a:p>
+        </p:txBody>
+      </p:sp>
+      <p:sp>
+        <p:nvSpPr>
+          <p:cNvPr id="6" name="TextBox 5">
+            <a:extLst>
+              <a:ext uri="{FF2B5EF4-FFF2-40B4-BE49-F238E27FC236}">
+                <a16:creationId xmlns:a16="http://schemas.microsoft.com/office/drawing/2014/main" id="{3793D923-C2BF-5C63-46FD-49BE86C4B907}"/>
+              </a:ext>
+            </a:extLst>
+          </p:cNvPr>
+          <p:cNvSpPr txBox="1"/>
+          <p:nvPr/>
+        </p:nvSpPr>
+        <p:spPr>
+          <a:xfrm>
+            <a:off x="776739" y="1040524"/>
+            <a:ext cx="1595309" cy="369332"/>
+          </a:xfrm>
+          <a:prstGeom prst="rect">
+            <a:avLst/>
+          </a:prstGeom>
+          <a:noFill/>
+        </p:spPr>
+        <p:txBody>
+          <a:bodyPr wrap="none" rtlCol="0">
+            <a:spAutoFit/>
+          </a:bodyPr>
+          <a:lstStyle/>
+          <a:p>
+            <a:r>
+              <a:rPr kumimoji="1" lang="en-US" altLang="zh-CN" dirty="0"/>
+              <a:t>1.</a:t>
+            </a:r>
+            <a:r>
+              <a:rPr kumimoji="1" lang="zh-CN" altLang="en-US" dirty="0"/>
+              <a:t> 最大公约数</a:t>
+            </a:r>
+          </a:p>
+        </p:txBody>
+      </p:sp>
+      <p:grpSp>
+        <p:nvGrpSpPr>
+          <p:cNvPr id="21" name="Group 20">
+            <a:extLst>
+              <a:ext uri="{FF2B5EF4-FFF2-40B4-BE49-F238E27FC236}">
+                <a16:creationId xmlns:a16="http://schemas.microsoft.com/office/drawing/2014/main" id="{7F03A37B-4536-8D14-B217-24F621914B87}"/>
+              </a:ext>
+            </a:extLst>
+          </p:cNvPr>
+          <p:cNvGrpSpPr/>
+          <p:nvPr/>
+        </p:nvGrpSpPr>
+        <p:grpSpPr>
+          <a:xfrm>
+            <a:off x="6257921" y="215894"/>
+            <a:ext cx="2405518" cy="1010499"/>
+            <a:chOff x="628652" y="2280213"/>
+            <a:chExt cx="5543020" cy="1010499"/>
+          </a:xfrm>
+        </p:grpSpPr>
+        <p:sp>
+          <p:nvSpPr>
+            <p:cNvPr id="22" name="Rounded Rectangle 21">
+              <a:extLst>
+                <a:ext uri="{FF2B5EF4-FFF2-40B4-BE49-F238E27FC236}">
+                  <a16:creationId xmlns:a16="http://schemas.microsoft.com/office/drawing/2014/main" id="{51DAC8A8-D081-8880-BCEE-22AF33C57917}"/>
+                </a:ext>
+              </a:extLst>
+            </p:cNvPr>
+            <p:cNvSpPr/>
+            <p:nvPr/>
+          </p:nvSpPr>
+          <p:spPr>
+            <a:xfrm>
+              <a:off x="628652" y="2592729"/>
+              <a:ext cx="5543020" cy="697983"/>
+            </a:xfrm>
+            <a:prstGeom prst="roundRect">
+              <a:avLst/>
+            </a:prstGeom>
+            <a:solidFill>
+              <a:schemeClr val="accent1">
+                <a:alpha val="22261"/>
+              </a:schemeClr>
+            </a:solidFill>
+            <a:ln>
+              <a:solidFill>
+                <a:schemeClr val="accent1">
+                  <a:shade val="50000"/>
+                </a:schemeClr>
+              </a:solidFill>
+            </a:ln>
+            <a:effectLst>
+              <a:outerShdw blurRad="50800" dist="38100" algn="l" rotWithShape="0">
+                <a:prstClr val="black">
+                  <a:alpha val="40000"/>
+                </a:prstClr>
+              </a:outerShdw>
+            </a:effectLst>
+          </p:spPr>
+          <p:style>
+            <a:lnRef idx="2">
+              <a:schemeClr val="accent1">
+                <a:shade val="50000"/>
+              </a:schemeClr>
+            </a:lnRef>
+            <a:fillRef idx="1">
+              <a:schemeClr val="accent1"/>
+            </a:fillRef>
+            <a:effectRef idx="0">
+              <a:schemeClr val="accent1"/>
+            </a:effectRef>
+            <a:fontRef idx="minor">
+              <a:schemeClr val="lt1"/>
+            </a:fontRef>
+          </p:style>
+          <p:txBody>
+            <a:bodyPr rtlCol="0" anchor="ctr"/>
+            <a:lstStyle/>
+            <a:p>
+              <a:pPr algn="ctr"/>
+              <a:endParaRPr kumimoji="1" lang="zh-CN" altLang="en-US"/>
+            </a:p>
+          </p:txBody>
+        </p:sp>
+        <p:sp>
+          <p:nvSpPr>
+            <p:cNvPr id="23" name="Rectangle 22">
+              <a:extLst>
+                <a:ext uri="{FF2B5EF4-FFF2-40B4-BE49-F238E27FC236}">
+                  <a16:creationId xmlns:a16="http://schemas.microsoft.com/office/drawing/2014/main" id="{3DA9AD64-DFFB-C363-D7C5-C470158172D0}"/>
+                </a:ext>
+              </a:extLst>
+            </p:cNvPr>
+            <p:cNvSpPr/>
+            <p:nvPr/>
+          </p:nvSpPr>
+          <p:spPr>
+            <a:xfrm>
+              <a:off x="868101" y="2280213"/>
+              <a:ext cx="2407528" cy="312516"/>
+            </a:xfrm>
+            <a:prstGeom prst="rect">
+              <a:avLst/>
+            </a:prstGeom>
+          </p:spPr>
+          <p:style>
+            <a:lnRef idx="2">
+              <a:schemeClr val="accent1">
+                <a:shade val="50000"/>
+              </a:schemeClr>
+            </a:lnRef>
+            <a:fillRef idx="1">
+              <a:schemeClr val="accent1"/>
+            </a:fillRef>
+            <a:effectRef idx="0">
+              <a:schemeClr val="accent1"/>
+            </a:effectRef>
+            <a:fontRef idx="minor">
+              <a:schemeClr val="lt1"/>
+            </a:fontRef>
+          </p:style>
+          <p:txBody>
+            <a:bodyPr rtlCol="0" anchor="ctr"/>
+            <a:lstStyle/>
+            <a:p>
+              <a:pPr algn="ctr"/>
+              <a:r>
+                <a:rPr kumimoji="1" lang="en-US" altLang="zh-CN" dirty="0"/>
+                <a:t>Word</a:t>
+              </a:r>
+              <a:endParaRPr kumimoji="1" lang="zh-CN" altLang="en-US" dirty="0"/>
+            </a:p>
+          </p:txBody>
+        </p:sp>
+        <p:sp>
+          <p:nvSpPr>
+            <p:cNvPr id="24" name="TextBox 23">
+              <a:extLst>
+                <a:ext uri="{FF2B5EF4-FFF2-40B4-BE49-F238E27FC236}">
+                  <a16:creationId xmlns:a16="http://schemas.microsoft.com/office/drawing/2014/main" id="{B8331153-C450-D99E-AD8D-E89CF324EDFD}"/>
+                </a:ext>
+              </a:extLst>
+            </p:cNvPr>
+            <p:cNvSpPr txBox="1"/>
+            <p:nvPr/>
+          </p:nvSpPr>
+          <p:spPr>
+            <a:xfrm>
+              <a:off x="844954" y="2761005"/>
+              <a:ext cx="5270298" cy="369332"/>
+            </a:xfrm>
+            <a:prstGeom prst="rect">
+              <a:avLst/>
+            </a:prstGeom>
+            <a:noFill/>
+          </p:spPr>
+          <p:txBody>
+            <a:bodyPr wrap="square">
+              <a:spAutoFit/>
+            </a:bodyPr>
+            <a:lstStyle/>
+            <a:p>
+              <a:r>
+                <a:rPr kumimoji="1" lang="en-CN" altLang="zh-CN" dirty="0"/>
+                <a:t>jug</a:t>
+              </a:r>
+              <a:r>
+                <a:rPr kumimoji="1" lang="zh-CN" altLang="en-US" dirty="0"/>
+                <a:t> 杯子</a:t>
+              </a:r>
+            </a:p>
+          </p:txBody>
+        </p:sp>
+      </p:grpSp>
+      <mc:AlternateContent xmlns:mc="http://schemas.openxmlformats.org/markup-compatibility/2006" xmlns:a14="http://schemas.microsoft.com/office/drawing/2010/main">
+        <mc:Choice Requires="a14">
+          <p:sp>
+            <p:nvSpPr>
+              <p:cNvPr id="5" name="TextBox 4">
+                <a:extLst>
+                  <a:ext uri="{FF2B5EF4-FFF2-40B4-BE49-F238E27FC236}">
+                    <a16:creationId xmlns:a16="http://schemas.microsoft.com/office/drawing/2014/main" id="{00F5306C-14C1-F9D0-D747-1492A74C012B}"/>
+                  </a:ext>
+                </a:extLst>
+              </p:cNvPr>
+              <p:cNvSpPr txBox="1"/>
+              <p:nvPr/>
+            </p:nvSpPr>
+            <p:spPr>
+              <a:xfrm>
+                <a:off x="1140311" y="1526769"/>
+                <a:ext cx="6115718" cy="923330"/>
+              </a:xfrm>
+              <a:prstGeom prst="rect">
+                <a:avLst/>
+              </a:prstGeom>
+              <a:noFill/>
+            </p:spPr>
+            <p:txBody>
+              <a:bodyPr wrap="square" rtlCol="0">
+                <a:spAutoFit/>
+              </a:bodyPr>
+              <a:lstStyle/>
+              <a:p>
+                <a:r>
+                  <a:rPr lang="en-US" dirty="0"/>
+                  <a:t>A common divisor of </a:t>
+                </a:r>
+                <a14:m>
+                  <m:oMath xmlns:m="http://schemas.openxmlformats.org/officeDocument/2006/math">
+                    <m:r>
+                      <a:rPr lang="en-US" i="1" dirty="0" smtClean="0">
+                        <a:latin typeface="Cambria Math" panose="02040503050406030204" pitchFamily="18" charset="0"/>
+                      </a:rPr>
+                      <m:t>𝑎</m:t>
+                    </m:r>
+                  </m:oMath>
+                </a14:m>
+                <a:r>
+                  <a:rPr lang="en-US" dirty="0"/>
+                  <a:t> and </a:t>
+                </a:r>
+                <a14:m>
+                  <m:oMath xmlns:m="http://schemas.openxmlformats.org/officeDocument/2006/math">
+                    <m:r>
+                      <a:rPr lang="en-US" i="1" dirty="0" smtClean="0">
+                        <a:latin typeface="Cambria Math" panose="02040503050406030204" pitchFamily="18" charset="0"/>
+                      </a:rPr>
+                      <m:t>𝑏</m:t>
+                    </m:r>
+                  </m:oMath>
+                </a14:m>
+                <a:r>
+                  <a:rPr lang="en-US" dirty="0"/>
+                  <a:t> is a number that divides them </a:t>
+                </a:r>
+                <a:r>
+                  <a:rPr lang="en-US" b="1" dirty="0"/>
+                  <a:t>both</a:t>
+                </a:r>
+                <a:r>
+                  <a:rPr lang="en-US" dirty="0"/>
+                  <a:t>. The greatest common divisor of </a:t>
+                </a:r>
+                <a14:m>
+                  <m:oMath xmlns:m="http://schemas.openxmlformats.org/officeDocument/2006/math">
+                    <m:r>
+                      <a:rPr lang="en-US" i="1" dirty="0" smtClean="0">
+                        <a:latin typeface="Cambria Math" panose="02040503050406030204" pitchFamily="18" charset="0"/>
+                      </a:rPr>
+                      <m:t>𝑎</m:t>
+                    </m:r>
+                  </m:oMath>
+                </a14:m>
+                <a:r>
+                  <a:rPr lang="en-US" dirty="0"/>
+                  <a:t> and </a:t>
+                </a:r>
+                <a14:m>
+                  <m:oMath xmlns:m="http://schemas.openxmlformats.org/officeDocument/2006/math">
+                    <m:r>
+                      <a:rPr lang="en-US" i="1" dirty="0" smtClean="0">
+                        <a:latin typeface="Cambria Math" panose="02040503050406030204" pitchFamily="18" charset="0"/>
+                      </a:rPr>
+                      <m:t>𝑏</m:t>
+                    </m:r>
+                  </m:oMath>
+                </a14:m>
+                <a:r>
+                  <a:rPr lang="en-US" dirty="0"/>
+                  <a:t> is written </a:t>
+                </a:r>
+                <a:r>
+                  <a:rPr lang="en-US" dirty="0" err="1"/>
+                  <a:t>gcd</a:t>
+                </a:r>
+                <a14:m>
+                  <m:oMath xmlns:m="http://schemas.openxmlformats.org/officeDocument/2006/math">
+                    <m:r>
+                      <a:rPr lang="en-US" altLang="zh-CN" i="1" dirty="0" smtClean="0">
+                        <a:latin typeface="Cambria Math" panose="02040503050406030204" pitchFamily="18" charset="0"/>
+                      </a:rPr>
+                      <m:t>(</m:t>
+                    </m:r>
+                    <m:r>
+                      <a:rPr lang="en-US" i="1" dirty="0" smtClean="0">
+                        <a:latin typeface="Cambria Math" panose="02040503050406030204" pitchFamily="18" charset="0"/>
+                      </a:rPr>
+                      <m:t>𝑎</m:t>
+                    </m:r>
+                    <m:r>
+                      <a:rPr lang="en-US" altLang="zh-CN" i="1" dirty="0" smtClean="0">
+                        <a:latin typeface="Cambria Math" panose="02040503050406030204" pitchFamily="18" charset="0"/>
+                      </a:rPr>
+                      <m:t>,</m:t>
+                    </m:r>
+                    <m:r>
+                      <a:rPr lang="zh-CN" altLang="en-US" i="1" dirty="0" smtClean="0">
+                        <a:latin typeface="Cambria Math" panose="02040503050406030204" pitchFamily="18" charset="0"/>
+                      </a:rPr>
+                      <m:t> </m:t>
+                    </m:r>
+                    <m:r>
+                      <a:rPr lang="en-US" i="1" dirty="0" smtClean="0">
+                        <a:latin typeface="Cambria Math" panose="02040503050406030204" pitchFamily="18" charset="0"/>
+                      </a:rPr>
+                      <m:t>𝑏</m:t>
+                    </m:r>
+                    <m:r>
+                      <a:rPr lang="en-US" altLang="zh-CN" i="1" dirty="0">
+                        <a:latin typeface="Cambria Math" panose="02040503050406030204" pitchFamily="18" charset="0"/>
+                      </a:rPr>
+                      <m:t>)</m:t>
+                    </m:r>
+                  </m:oMath>
+                </a14:m>
+                <a:r>
+                  <a:rPr lang="en-US" dirty="0"/>
+                  <a:t>.</a:t>
+                </a:r>
+                <a:endParaRPr kumimoji="1" lang="zh-CN" altLang="en-US" dirty="0"/>
+              </a:p>
+            </p:txBody>
+          </p:sp>
+        </mc:Choice>
+        <mc:Fallback xmlns="">
+          <p:sp>
+            <p:nvSpPr>
+              <p:cNvPr id="5" name="TextBox 4">
+                <a:extLst>
+                  <a:ext uri="{FF2B5EF4-FFF2-40B4-BE49-F238E27FC236}">
+                    <a16:creationId xmlns:a16="http://schemas.microsoft.com/office/drawing/2014/main" id="{00F5306C-14C1-F9D0-D747-1492A74C012B}"/>
+                  </a:ext>
+                </a:extLst>
+              </p:cNvPr>
+              <p:cNvSpPr txBox="1">
+                <a:spLocks noRot="1" noChangeAspect="1" noMove="1" noResize="1" noEditPoints="1" noAdjustHandles="1" noChangeArrowheads="1" noChangeShapeType="1" noTextEdit="1"/>
+              </p:cNvSpPr>
+              <p:nvPr/>
+            </p:nvSpPr>
+            <p:spPr>
+              <a:xfrm>
+                <a:off x="1140311" y="1526769"/>
+                <a:ext cx="6115718" cy="923330"/>
+              </a:xfrm>
+              <a:prstGeom prst="rect">
+                <a:avLst/>
+              </a:prstGeom>
+              <a:blipFill>
+                <a:blip r:embed="rId2"/>
+                <a:stretch>
+                  <a:fillRect l="-828" t="-2740" b="-10959"/>
+                </a:stretch>
+              </a:blipFill>
+            </p:spPr>
+            <p:txBody>
+              <a:bodyPr/>
+              <a:lstStyle/>
+              <a:p>
+                <a:r>
+                  <a:rPr lang="zh-CN" altLang="en-US">
+                    <a:noFill/>
+                  </a:rPr>
+                  <a:t> </a:t>
+                </a:r>
+              </a:p>
+            </p:txBody>
+          </p:sp>
+        </mc:Fallback>
+      </mc:AlternateContent>
+    </p:spTree>
+    <p:extLst>
+      <p:ext uri="{BB962C8B-B14F-4D97-AF65-F5344CB8AC3E}">
+        <p14:creationId xmlns:p14="http://schemas.microsoft.com/office/powerpoint/2010/main" val="3220419132"/>
       </p:ext>
     </p:extLst>
   </p:cSld>
